--- a/Topic A Computer Systems/A.8 Lesson - World Wide Web.pptx
+++ b/Topic A Computer Systems/A.8 Lesson - World Wide Web.pptx
@@ -3132,6 +3132,13 @@
   <p:clrMapOvr>
     <a:masterClrMapping/>
   </p:clrMapOvr>
+  <p:timing>
+    <p:tnLst>
+      <p:par>
+        <p:cTn id="1" dur="indefinite" restart="never" nodeType="tmRoot"/>
+      </p:par>
+    </p:tnLst>
+  </p:timing>
 </p:sld>
 </file>
 
@@ -3188,7 +3195,7 @@
         <p:spPr/>
         <p:txBody>
           <a:bodyPr>
-            <a:normAutofit lnSpcReduction="10000"/>
+            <a:normAutofit fontScale="92500" lnSpcReduction="10000"/>
           </a:bodyPr>
           <a:lstStyle/>
           <a:p>
@@ -3214,11 +3221,33 @@
             </a:pPr>
             <a:r>
               <a:rPr lang="en-US" dirty="0"/>
-              <a:t>Use the Windows File Explorer tool to open your student id folder on the G </a:t>
+              <a:t>Use the search button (magnifying glass icon) in the bottom windows tray </a:t>
             </a:r>
             <a:r>
               <a:rPr lang="en-US" dirty="0" smtClean="0"/>
-              <a:t>drive</a:t>
+              <a:t/>
+            </a:r>
+            <a:br>
+              <a:rPr lang="en-US" dirty="0" smtClean="0"/>
+            </a:br>
+            <a:endParaRPr lang="en-US" dirty="0" smtClean="0"/>
+          </a:p>
+          <a:p>
+            <a:pPr marL="514350" lvl="0" indent="-514350">
+              <a:buFont typeface="+mj-lt"/>
+              <a:buAutoNum type="arabicPeriod"/>
+            </a:pPr>
+            <a:r>
+              <a:rPr lang="en-US" dirty="0" smtClean="0"/>
+              <a:t>Find </a:t>
+            </a:r>
+            <a:r>
+              <a:rPr lang="en-US" dirty="0"/>
+              <a:t>and open the “notepad” text editor application</a:t>
+            </a:r>
+            <a:r>
+              <a:rPr lang="en-US" dirty="0" smtClean="0"/>
+              <a:t>.</a:t>
             </a:r>
             <a:br>
               <a:rPr lang="en-US" dirty="0" smtClean="0"/>
@@ -3232,11 +3261,15 @@
             </a:pPr>
             <a:r>
               <a:rPr lang="en-US" dirty="0"/>
-              <a:t>Right click and select New-&gt;Text </a:t>
+              <a:t>Use “Save As…” to go to your student folder (G drive) save the file as “mywebpage.txt</a:t>
             </a:r>
             <a:r>
               <a:rPr lang="en-US" dirty="0" smtClean="0"/>
-              <a:t>Document</a:t>
+              <a:t>”</a:t>
+            </a:r>
+            <a:r>
+              <a:rPr lang="en-US" dirty="0" smtClean="0"/>
+              <a:t/>
             </a:r>
             <a:br>
               <a:rPr lang="en-US" dirty="0" smtClean="0"/>
@@ -3250,24 +3283,6 @@
             </a:pPr>
             <a:r>
               <a:rPr lang="en-US" dirty="0"/>
-              <a:t>Name the file “mywebpage.txt</a:t>
-            </a:r>
-            <a:r>
-              <a:rPr lang="en-US" dirty="0" smtClean="0"/>
-              <a:t>”</a:t>
-            </a:r>
-            <a:br>
-              <a:rPr lang="en-US" dirty="0" smtClean="0"/>
-            </a:br>
-            <a:endParaRPr lang="en-US" dirty="0"/>
-          </a:p>
-          <a:p>
-            <a:pPr marL="514350" lvl="0" indent="-514350">
-              <a:buFont typeface="+mj-lt"/>
-              <a:buAutoNum type="arabicPeriod"/>
-            </a:pPr>
-            <a:r>
-              <a:rPr lang="en-US" dirty="0"/>
               <a:t>Edit and save the file with the </a:t>
             </a:r>
             <a:r>
@@ -3281,6 +3296,82 @@
           </a:p>
         </p:txBody>
       </p:sp>
+      <p:grpSp>
+        <p:nvGrpSpPr>
+          <p:cNvPr id="7" name="Group 6"/>
+          <p:cNvGrpSpPr/>
+          <p:nvPr/>
+        </p:nvGrpSpPr>
+        <p:grpSpPr>
+          <a:xfrm>
+            <a:off x="6646862" y="1365727"/>
+            <a:ext cx="1743075" cy="1079977"/>
+            <a:chOff x="6667182" y="939007"/>
+            <a:chExt cx="1743075" cy="1079977"/>
+          </a:xfrm>
+        </p:grpSpPr>
+        <p:pic>
+          <p:nvPicPr>
+            <p:cNvPr id="4" name="Picture 3"/>
+            <p:cNvPicPr>
+              <a:picLocks noChangeAspect="1"/>
+            </p:cNvPicPr>
+            <p:nvPr/>
+          </p:nvPicPr>
+          <p:blipFill>
+            <a:blip r:embed="rId2"/>
+            <a:stretch>
+              <a:fillRect/>
+            </a:stretch>
+          </p:blipFill>
+          <p:spPr>
+            <a:xfrm>
+              <a:off x="6667182" y="939007"/>
+              <a:ext cx="1743075" cy="819150"/>
+            </a:xfrm>
+            <a:prstGeom prst="rect">
+              <a:avLst/>
+            </a:prstGeom>
+          </p:spPr>
+        </p:pic>
+        <p:cxnSp>
+          <p:nvCxnSpPr>
+            <p:cNvPr id="6" name="Straight Arrow Connector 5"/>
+            <p:cNvCxnSpPr/>
+            <p:nvPr/>
+          </p:nvCxnSpPr>
+          <p:spPr>
+            <a:xfrm>
+              <a:off x="7254240" y="1690689"/>
+              <a:ext cx="0" cy="328295"/>
+            </a:xfrm>
+            <a:prstGeom prst="straightConnector1">
+              <a:avLst/>
+            </a:prstGeom>
+            <a:ln w="38100">
+              <a:solidFill>
+                <a:srgbClr val="FF0000"/>
+              </a:solidFill>
+              <a:headEnd type="triangle" w="med" len="med"/>
+              <a:tailEnd type="none" w="med" len="med"/>
+            </a:ln>
+          </p:spPr>
+          <p:style>
+            <a:lnRef idx="1">
+              <a:schemeClr val="accent1"/>
+            </a:lnRef>
+            <a:fillRef idx="0">
+              <a:schemeClr val="accent1"/>
+            </a:fillRef>
+            <a:effectRef idx="0">
+              <a:schemeClr val="accent1"/>
+            </a:effectRef>
+            <a:fontRef idx="minor">
+              <a:schemeClr val="tx1"/>
+            </a:fontRef>
+          </p:style>
+        </p:cxnSp>
+      </p:grpSp>
     </p:spTree>
     <p:extLst>
       <p:ext uri="{BB962C8B-B14F-4D97-AF65-F5344CB8AC3E}">
@@ -3291,6 +3382,13 @@
   <p:clrMapOvr>
     <a:masterClrMapping/>
   </p:clrMapOvr>
+  <p:timing>
+    <p:tnLst>
+      <p:par>
+        <p:cTn id="1" dur="indefinite" restart="never" nodeType="tmRoot"/>
+      </p:par>
+    </p:tnLst>
+  </p:timing>
 </p:sld>
 </file>
 
@@ -3475,6 +3573,13 @@
   <p:clrMapOvr>
     <a:masterClrMapping/>
   </p:clrMapOvr>
+  <p:timing>
+    <p:tnLst>
+      <p:par>
+        <p:cTn id="1" dur="indefinite" restart="never" nodeType="tmRoot"/>
+      </p:par>
+    </p:tnLst>
+  </p:timing>
 </p:sld>
 </file>
 
@@ -3653,6 +3758,13 @@
   <p:clrMapOvr>
     <a:masterClrMapping/>
   </p:clrMapOvr>
+  <p:timing>
+    <p:tnLst>
+      <p:par>
+        <p:cTn id="1" dur="indefinite" restart="never" nodeType="tmRoot"/>
+      </p:par>
+    </p:tnLst>
+  </p:timing>
 </p:sld>
 </file>
 

--- a/Topic A Computer Systems/A.8 Lesson - World Wide Web.pptx
+++ b/Topic A Computer Systems/A.8 Lesson - World Wide Web.pptx
@@ -21,9 +21,13 @@
     <p:sldId id="273" r:id="rId15"/>
     <p:sldId id="274" r:id="rId16"/>
     <p:sldId id="269" r:id="rId17"/>
-    <p:sldId id="263" r:id="rId18"/>
-    <p:sldId id="264" r:id="rId19"/>
-    <p:sldId id="258" r:id="rId20"/>
+    <p:sldId id="276" r:id="rId18"/>
+    <p:sldId id="277" r:id="rId19"/>
+    <p:sldId id="278" r:id="rId20"/>
+    <p:sldId id="275" r:id="rId21"/>
+    <p:sldId id="263" r:id="rId22"/>
+    <p:sldId id="264" r:id="rId23"/>
+    <p:sldId id="258" r:id="rId24"/>
   </p:sldIdLst>
   <p:sldSz cx="9144000" cy="6858000" type="screen4x3"/>
   <p:notesSz cx="6858000" cy="9144000"/>
@@ -261,7 +265,7 @@
           <a:p>
             <a:fld id="{75D0985A-54A3-4E21-A8D3-D2A269DFDA74}" type="datetimeFigureOut">
               <a:rPr lang="en-US" smtClean="0"/>
-              <a:t>1/9/2020</a:t>
+              <a:t>1/10/2020</a:t>
             </a:fld>
             <a:endParaRPr lang="en-US"/>
           </a:p>
@@ -431,7 +435,7 @@
           <a:p>
             <a:fld id="{75D0985A-54A3-4E21-A8D3-D2A269DFDA74}" type="datetimeFigureOut">
               <a:rPr lang="en-US" smtClean="0"/>
-              <a:t>1/9/2020</a:t>
+              <a:t>1/10/2020</a:t>
             </a:fld>
             <a:endParaRPr lang="en-US"/>
           </a:p>
@@ -611,7 +615,7 @@
           <a:p>
             <a:fld id="{75D0985A-54A3-4E21-A8D3-D2A269DFDA74}" type="datetimeFigureOut">
               <a:rPr lang="en-US" smtClean="0"/>
-              <a:t>1/9/2020</a:t>
+              <a:t>1/10/2020</a:t>
             </a:fld>
             <a:endParaRPr lang="en-US"/>
           </a:p>
@@ -781,7 +785,7 @@
           <a:p>
             <a:fld id="{75D0985A-54A3-4E21-A8D3-D2A269DFDA74}" type="datetimeFigureOut">
               <a:rPr lang="en-US" smtClean="0"/>
-              <a:t>1/9/2020</a:t>
+              <a:t>1/10/2020</a:t>
             </a:fld>
             <a:endParaRPr lang="en-US"/>
           </a:p>
@@ -1025,7 +1029,7 @@
           <a:p>
             <a:fld id="{75D0985A-54A3-4E21-A8D3-D2A269DFDA74}" type="datetimeFigureOut">
               <a:rPr lang="en-US" smtClean="0"/>
-              <a:t>1/9/2020</a:t>
+              <a:t>1/10/2020</a:t>
             </a:fld>
             <a:endParaRPr lang="en-US"/>
           </a:p>
@@ -1257,7 +1261,7 @@
           <a:p>
             <a:fld id="{75D0985A-54A3-4E21-A8D3-D2A269DFDA74}" type="datetimeFigureOut">
               <a:rPr lang="en-US" smtClean="0"/>
-              <a:t>1/9/2020</a:t>
+              <a:t>1/10/2020</a:t>
             </a:fld>
             <a:endParaRPr lang="en-US"/>
           </a:p>
@@ -1624,7 +1628,7 @@
           <a:p>
             <a:fld id="{75D0985A-54A3-4E21-A8D3-D2A269DFDA74}" type="datetimeFigureOut">
               <a:rPr lang="en-US" smtClean="0"/>
-              <a:t>1/9/2020</a:t>
+              <a:t>1/10/2020</a:t>
             </a:fld>
             <a:endParaRPr lang="en-US"/>
           </a:p>
@@ -1742,7 +1746,7 @@
           <a:p>
             <a:fld id="{75D0985A-54A3-4E21-A8D3-D2A269DFDA74}" type="datetimeFigureOut">
               <a:rPr lang="en-US" smtClean="0"/>
-              <a:t>1/9/2020</a:t>
+              <a:t>1/10/2020</a:t>
             </a:fld>
             <a:endParaRPr lang="en-US"/>
           </a:p>
@@ -1837,7 +1841,7 @@
           <a:p>
             <a:fld id="{75D0985A-54A3-4E21-A8D3-D2A269DFDA74}" type="datetimeFigureOut">
               <a:rPr lang="en-US" smtClean="0"/>
-              <a:t>1/9/2020</a:t>
+              <a:t>1/10/2020</a:t>
             </a:fld>
             <a:endParaRPr lang="en-US"/>
           </a:p>
@@ -2114,7 +2118,7 @@
           <a:p>
             <a:fld id="{75D0985A-54A3-4E21-A8D3-D2A269DFDA74}" type="datetimeFigureOut">
               <a:rPr lang="en-US" smtClean="0"/>
-              <a:t>1/9/2020</a:t>
+              <a:t>1/10/2020</a:t>
             </a:fld>
             <a:endParaRPr lang="en-US"/>
           </a:p>
@@ -2371,7 +2375,7 @@
           <a:p>
             <a:fld id="{75D0985A-54A3-4E21-A8D3-D2A269DFDA74}" type="datetimeFigureOut">
               <a:rPr lang="en-US" smtClean="0"/>
-              <a:t>1/9/2020</a:t>
+              <a:t>1/10/2020</a:t>
             </a:fld>
             <a:endParaRPr lang="en-US"/>
           </a:p>
@@ -2584,7 +2588,7 @@
           <a:p>
             <a:fld id="{75D0985A-54A3-4E21-A8D3-D2A269DFDA74}" type="datetimeFigureOut">
               <a:rPr lang="en-US" smtClean="0"/>
-              <a:t>1/9/2020</a:t>
+              <a:t>1/10/2020</a:t>
             </a:fld>
             <a:endParaRPr lang="en-US"/>
           </a:p>
@@ -3267,10 +3271,6 @@
               <a:rPr lang="en-US" dirty="0" smtClean="0"/>
               <a:t>”</a:t>
             </a:r>
-            <a:r>
-              <a:rPr lang="en-US" dirty="0" smtClean="0"/>
-              <a:t/>
-            </a:r>
             <a:br>
               <a:rPr lang="en-US" dirty="0" smtClean="0"/>
             </a:br>
@@ -4170,7 +4170,7 @@
           <a:p>
             <a:r>
               <a:rPr lang="en-CA" dirty="0" smtClean="0"/>
-              <a:t>Other Server Software</a:t>
+              <a:t>E-Mail Server Software</a:t>
             </a:r>
             <a:endParaRPr lang="en-US" dirty="0"/>
           </a:p>
@@ -4247,12 +4247,8 @@
           <a:lstStyle/>
           <a:p>
             <a:r>
-              <a:rPr lang="en-CA" dirty="0"/>
-              <a:t>A.3) Common Internet </a:t>
-            </a:r>
-            <a:r>
-              <a:rPr lang="en-CA" dirty="0" smtClean="0"/>
-              <a:t>Services</a:t>
+              <a:rPr lang="en-CA" dirty="0" smtClean="0"/>
+              <a:t>E-Mail Server Software</a:t>
             </a:r>
             <a:endParaRPr lang="en-US" dirty="0"/>
           </a:p>
@@ -4270,86 +4266,132 @@
         </p:nvSpPr>
         <p:spPr/>
         <p:txBody>
-          <a:bodyPr/>
-          <a:lstStyle/>
-          <a:p>
-            <a:r>
-              <a:rPr lang="en-CA" dirty="0"/>
-              <a:t>DNS (Domain Name Server)</a:t>
-            </a:r>
-          </a:p>
-          <a:p>
-            <a:r>
-              <a:rPr lang="en-CA" dirty="0"/>
-              <a:t>Web </a:t>
-            </a:r>
-            <a:r>
-              <a:rPr lang="en-CA" dirty="0" smtClean="0"/>
-              <a:t>Server</a:t>
-            </a:r>
-          </a:p>
-          <a:p>
-            <a:r>
-              <a:rPr lang="en-CA" dirty="0" smtClean="0"/>
-              <a:t>HTTP protocol</a:t>
-            </a:r>
-            <a:endParaRPr lang="en-CA" dirty="0"/>
-          </a:p>
-          <a:p>
-            <a:r>
-              <a:rPr lang="en-CA" dirty="0" smtClean="0"/>
-              <a:t>Mail </a:t>
-            </a:r>
-            <a:r>
-              <a:rPr lang="en-CA" dirty="0"/>
-              <a:t>Server</a:t>
-            </a:r>
-          </a:p>
-          <a:p>
-            <a:r>
-              <a:rPr lang="en-CA" dirty="0" smtClean="0"/>
-              <a:t>File </a:t>
-            </a:r>
-            <a:r>
-              <a:rPr lang="en-CA" dirty="0"/>
-              <a:t>Server</a:t>
-            </a:r>
-          </a:p>
-          <a:p>
-            <a:r>
-              <a:rPr lang="en-CA" dirty="0"/>
-              <a:t>Database Server</a:t>
-            </a:r>
-          </a:p>
-          <a:p>
-            <a:r>
-              <a:rPr lang="en-CA" dirty="0"/>
-              <a:t>Application Servers</a:t>
-            </a:r>
-            <a:endParaRPr lang="en-US" dirty="0"/>
-          </a:p>
-          <a:p>
-            <a:endParaRPr lang="en-US" dirty="0"/>
-          </a:p>
-        </p:txBody>
-      </p:sp>
+          <a:bodyPr>
+            <a:normAutofit/>
+          </a:bodyPr>
+          <a:lstStyle/>
+          <a:p>
+            <a:r>
+              <a:rPr lang="en-CA" sz="2400" dirty="0" smtClean="0"/>
+              <a:t>SMTP Protocol</a:t>
+            </a:r>
+          </a:p>
+          <a:p>
+            <a:pPr lvl="1"/>
+            <a:r>
+              <a:rPr lang="en-CA" sz="2000" dirty="0" smtClean="0"/>
+              <a:t>Allows your PC to send mail</a:t>
+            </a:r>
+          </a:p>
+          <a:p>
+            <a:pPr lvl="1"/>
+            <a:endParaRPr lang="en-CA" sz="2000" dirty="0"/>
+          </a:p>
+          <a:p>
+            <a:r>
+              <a:rPr lang="en-CA" sz="2400" dirty="0" smtClean="0"/>
+              <a:t>IMAP (POP3) Protocol</a:t>
+            </a:r>
+          </a:p>
+          <a:p>
+            <a:pPr lvl="1"/>
+            <a:r>
+              <a:rPr lang="en-CA" sz="2000" dirty="0" smtClean="0"/>
+              <a:t>Allows your PC to read mail</a:t>
+            </a:r>
+          </a:p>
+          <a:p>
+            <a:pPr lvl="1"/>
+            <a:endParaRPr lang="en-CA" sz="2000" dirty="0"/>
+          </a:p>
+          <a:p>
+            <a:r>
+              <a:rPr lang="en-CA" sz="2400" dirty="0" smtClean="0"/>
+              <a:t>Web Mail</a:t>
+            </a:r>
+          </a:p>
+          <a:p>
+            <a:pPr lvl="1"/>
+            <a:r>
+              <a:rPr lang="en-CA" sz="2000" dirty="0" smtClean="0"/>
+              <a:t>All mail stays on the server</a:t>
+            </a:r>
+          </a:p>
+          <a:p>
+            <a:pPr lvl="1"/>
+            <a:r>
+              <a:rPr lang="en-CA" sz="2000" dirty="0" smtClean="0"/>
+              <a:t>Server provides a dynamic </a:t>
+            </a:r>
+            <a:br>
+              <a:rPr lang="en-CA" sz="2000" dirty="0" smtClean="0"/>
+            </a:br>
+            <a:r>
+              <a:rPr lang="en-CA" sz="2000" dirty="0" smtClean="0"/>
+              <a:t>web site that you access</a:t>
+            </a:r>
+            <a:br>
+              <a:rPr lang="en-CA" sz="2000" dirty="0" smtClean="0"/>
+            </a:br>
+            <a:r>
+              <a:rPr lang="en-CA" sz="2000" dirty="0" smtClean="0"/>
+              <a:t>through a web browser</a:t>
+            </a:r>
+            <a:endParaRPr lang="en-US" sz="2000" dirty="0"/>
+          </a:p>
+        </p:txBody>
+      </p:sp>
+      <p:pic>
+        <p:nvPicPr>
+          <p:cNvPr id="1026" name="Picture 2" descr="Image result for e-mail server protocols"/>
+          <p:cNvPicPr>
+            <a:picLocks noChangeAspect="1" noChangeArrowheads="1"/>
+          </p:cNvPicPr>
+          <p:nvPr/>
+        </p:nvPicPr>
+        <p:blipFill>
+          <a:blip r:embed="rId2">
+            <a:extLst>
+              <a:ext uri="{28A0092B-C50C-407E-A947-70E740481C1C}">
+                <a14:useLocalDpi xmlns:a14="http://schemas.microsoft.com/office/drawing/2010/main" val="0"/>
+              </a:ext>
+            </a:extLst>
+          </a:blip>
+          <a:srcRect/>
+          <a:stretch>
+            <a:fillRect/>
+          </a:stretch>
+        </p:blipFill>
+        <p:spPr bwMode="auto">
+          <a:xfrm>
+            <a:off x="4572000" y="1825625"/>
+            <a:ext cx="4333202" cy="3058732"/>
+          </a:xfrm>
+          <a:prstGeom prst="rect">
+            <a:avLst/>
+          </a:prstGeom>
+          <a:noFill/>
+          <a:extLst>
+            <a:ext uri="{909E8E84-426E-40DD-AFC4-6F175D3DCCD1}">
+              <a14:hiddenFill xmlns:a14="http://schemas.microsoft.com/office/drawing/2010/main">
+                <a:solidFill>
+                  <a:srgbClr val="FFFFFF"/>
+                </a:solidFill>
+              </a14:hiddenFill>
+            </a:ext>
+          </a:extLst>
+        </p:spPr>
+      </p:pic>
     </p:spTree>
     <p:extLst>
       <p:ext uri="{BB962C8B-B14F-4D97-AF65-F5344CB8AC3E}">
-        <p14:creationId xmlns:p14="http://schemas.microsoft.com/office/powerpoint/2010/main" val="3203842205"/>
+        <p14:creationId xmlns:p14="http://schemas.microsoft.com/office/powerpoint/2010/main" val="2709047105"/>
       </p:ext>
     </p:extLst>
   </p:cSld>
   <p:clrMapOvr>
     <a:masterClrMapping/>
   </p:clrMapOvr>
-  <p:timing>
-    <p:tnLst>
-      <p:par>
-        <p:cTn id="1" dur="indefinite" restart="never" nodeType="tmRoot"/>
-      </p:par>
-    </p:tnLst>
-  </p:timing>
 </p:sld>
 </file>
 
@@ -4372,7 +4414,7 @@
       </p:grpSpPr>
       <p:sp>
         <p:nvSpPr>
-          <p:cNvPr id="2" name="Title 1"/>
+          <p:cNvPr id="4" name="Title 3"/>
           <p:cNvSpPr>
             <a:spLocks noGrp="1"/>
           </p:cNvSpPr>
@@ -4380,18 +4422,19 @@
             <p:ph type="title"/>
           </p:nvPr>
         </p:nvSpPr>
-        <p:spPr/>
+        <p:spPr>
+          <a:xfrm>
+            <a:off x="642298" y="119467"/>
+            <a:ext cx="7886700" cy="1325563"/>
+          </a:xfrm>
+        </p:spPr>
         <p:txBody>
           <a:bodyPr/>
           <a:lstStyle/>
           <a:p>
             <a:r>
-              <a:rPr lang="en-CA" dirty="0"/>
-              <a:t>A.3) Common Internet </a:t>
-            </a:r>
-            <a:r>
-              <a:rPr lang="en-CA" dirty="0" smtClean="0"/>
-              <a:t>Services</a:t>
+              <a:rPr lang="en-CA" dirty="0" smtClean="0"/>
+              <a:t>Venn Diagram</a:t>
             </a:r>
             <a:endParaRPr lang="en-US" dirty="0"/>
           </a:p>
@@ -4399,75 +4442,228 @@
       </p:sp>
       <p:sp>
         <p:nvSpPr>
-          <p:cNvPr id="3" name="Content Placeholder 2"/>
-          <p:cNvSpPr>
-            <a:spLocks noGrp="1"/>
-          </p:cNvSpPr>
-          <p:nvPr>
-            <p:ph idx="1"/>
-          </p:nvPr>
-        </p:nvSpPr>
-        <p:spPr/>
-        <p:txBody>
-          <a:bodyPr/>
-          <a:lstStyle/>
-          <a:p>
-            <a:r>
-              <a:rPr lang="en-CA" dirty="0"/>
-              <a:t>DNS (Domain Name Server)</a:t>
-            </a:r>
-          </a:p>
-          <a:p>
-            <a:r>
-              <a:rPr lang="en-CA" dirty="0"/>
-              <a:t>Web </a:t>
-            </a:r>
-            <a:r>
-              <a:rPr lang="en-CA" dirty="0" smtClean="0"/>
-              <a:t>Server</a:t>
-            </a:r>
-          </a:p>
-          <a:p>
-            <a:r>
-              <a:rPr lang="en-CA" dirty="0" smtClean="0"/>
-              <a:t>HTTP protocol</a:t>
-            </a:r>
-            <a:endParaRPr lang="en-CA" dirty="0"/>
-          </a:p>
-          <a:p>
-            <a:r>
-              <a:rPr lang="en-CA" dirty="0" smtClean="0"/>
-              <a:t>Mail </a:t>
-            </a:r>
-            <a:r>
-              <a:rPr lang="en-CA" dirty="0"/>
-              <a:t>Server</a:t>
-            </a:r>
-          </a:p>
-          <a:p>
-            <a:r>
-              <a:rPr lang="en-CA" dirty="0" smtClean="0"/>
-              <a:t>File </a:t>
-            </a:r>
-            <a:r>
-              <a:rPr lang="en-CA" dirty="0"/>
-              <a:t>Server</a:t>
-            </a:r>
-          </a:p>
-          <a:p>
-            <a:r>
-              <a:rPr lang="en-CA" dirty="0"/>
-              <a:t>Database Server</a:t>
-            </a:r>
-          </a:p>
-          <a:p>
-            <a:r>
-              <a:rPr lang="en-CA" dirty="0"/>
-              <a:t>Application Servers</a:t>
+          <p:cNvPr id="5" name="Oval 4"/>
+          <p:cNvSpPr/>
+          <p:nvPr/>
+        </p:nvSpPr>
+        <p:spPr>
+          <a:xfrm>
+            <a:off x="873456" y="1308552"/>
+            <a:ext cx="3998794" cy="3630304"/>
+          </a:xfrm>
+          <a:prstGeom prst="ellipse">
+            <a:avLst/>
+          </a:prstGeom>
+          <a:noFill/>
+          <a:ln>
+            <a:solidFill>
+              <a:schemeClr val="tx1"/>
+            </a:solidFill>
+          </a:ln>
+        </p:spPr>
+        <p:style>
+          <a:lnRef idx="2">
+            <a:schemeClr val="accent1">
+              <a:shade val="50000"/>
+            </a:schemeClr>
+          </a:lnRef>
+          <a:fillRef idx="1">
+            <a:schemeClr val="accent1"/>
+          </a:fillRef>
+          <a:effectRef idx="0">
+            <a:schemeClr val="accent1"/>
+          </a:effectRef>
+          <a:fontRef idx="minor">
+            <a:schemeClr val="lt1"/>
+          </a:fontRef>
+        </p:style>
+        <p:txBody>
+          <a:bodyPr rtlCol="0" anchor="ctr"/>
+          <a:lstStyle/>
+          <a:p>
+            <a:pPr algn="ctr"/>
+            <a:endParaRPr lang="en-US"/>
+          </a:p>
+        </p:txBody>
+      </p:sp>
+      <p:sp>
+        <p:nvSpPr>
+          <p:cNvPr id="6" name="Oval 5"/>
+          <p:cNvSpPr/>
+          <p:nvPr/>
+        </p:nvSpPr>
+        <p:spPr>
+          <a:xfrm>
+            <a:off x="3166565" y="1308552"/>
+            <a:ext cx="3998794" cy="3630304"/>
+          </a:xfrm>
+          <a:prstGeom prst="ellipse">
+            <a:avLst/>
+          </a:prstGeom>
+          <a:noFill/>
+          <a:ln>
+            <a:solidFill>
+              <a:schemeClr val="tx1"/>
+            </a:solidFill>
+          </a:ln>
+        </p:spPr>
+        <p:style>
+          <a:lnRef idx="2">
+            <a:schemeClr val="accent1">
+              <a:shade val="50000"/>
+            </a:schemeClr>
+          </a:lnRef>
+          <a:fillRef idx="1">
+            <a:schemeClr val="accent1"/>
+          </a:fillRef>
+          <a:effectRef idx="0">
+            <a:schemeClr val="accent1"/>
+          </a:effectRef>
+          <a:fontRef idx="minor">
+            <a:schemeClr val="lt1"/>
+          </a:fontRef>
+        </p:style>
+        <p:txBody>
+          <a:bodyPr rtlCol="0" anchor="ctr"/>
+          <a:lstStyle/>
+          <a:p>
+            <a:pPr algn="ctr"/>
+            <a:endParaRPr lang="en-US"/>
+          </a:p>
+        </p:txBody>
+      </p:sp>
+      <p:sp>
+        <p:nvSpPr>
+          <p:cNvPr id="7" name="Oval 6"/>
+          <p:cNvSpPr/>
+          <p:nvPr/>
+        </p:nvSpPr>
+        <p:spPr>
+          <a:xfrm>
+            <a:off x="2144972" y="3016252"/>
+            <a:ext cx="3998794" cy="3630304"/>
+          </a:xfrm>
+          <a:prstGeom prst="ellipse">
+            <a:avLst/>
+          </a:prstGeom>
+          <a:noFill/>
+          <a:ln>
+            <a:solidFill>
+              <a:schemeClr val="tx1"/>
+            </a:solidFill>
+          </a:ln>
+        </p:spPr>
+        <p:style>
+          <a:lnRef idx="2">
+            <a:schemeClr val="accent1">
+              <a:shade val="50000"/>
+            </a:schemeClr>
+          </a:lnRef>
+          <a:fillRef idx="1">
+            <a:schemeClr val="accent1"/>
+          </a:fillRef>
+          <a:effectRef idx="0">
+            <a:schemeClr val="accent1"/>
+          </a:effectRef>
+          <a:fontRef idx="minor">
+            <a:schemeClr val="lt1"/>
+          </a:fontRef>
+        </p:style>
+        <p:txBody>
+          <a:bodyPr rtlCol="0" anchor="ctr"/>
+          <a:lstStyle/>
+          <a:p>
+            <a:pPr algn="ctr"/>
+            <a:endParaRPr lang="en-US"/>
+          </a:p>
+        </p:txBody>
+      </p:sp>
+      <p:sp>
+        <p:nvSpPr>
+          <p:cNvPr id="8" name="TextBox 7"/>
+          <p:cNvSpPr txBox="1"/>
+          <p:nvPr/>
+        </p:nvSpPr>
+        <p:spPr>
+          <a:xfrm>
+            <a:off x="2513620" y="1334214"/>
+            <a:ext cx="718466" cy="369332"/>
+          </a:xfrm>
+          <a:prstGeom prst="rect">
+            <a:avLst/>
+          </a:prstGeom>
+          <a:noFill/>
+        </p:spPr>
+        <p:txBody>
+          <a:bodyPr wrap="none" rtlCol="0">
+            <a:spAutoFit/>
+          </a:bodyPr>
+          <a:lstStyle/>
+          <a:p>
+            <a:r>
+              <a:rPr lang="en-CA" dirty="0" smtClean="0"/>
+              <a:t>SMTP</a:t>
             </a:r>
             <a:endParaRPr lang="en-US" dirty="0"/>
           </a:p>
-          <a:p>
+        </p:txBody>
+      </p:sp>
+      <p:sp>
+        <p:nvSpPr>
+          <p:cNvPr id="9" name="TextBox 8"/>
+          <p:cNvSpPr txBox="1"/>
+          <p:nvPr/>
+        </p:nvSpPr>
+        <p:spPr>
+          <a:xfrm>
+            <a:off x="3601816" y="6251562"/>
+            <a:ext cx="1085105" cy="369332"/>
+          </a:xfrm>
+          <a:prstGeom prst="rect">
+            <a:avLst/>
+          </a:prstGeom>
+          <a:noFill/>
+        </p:spPr>
+        <p:txBody>
+          <a:bodyPr wrap="none" rtlCol="0">
+            <a:spAutoFit/>
+          </a:bodyPr>
+          <a:lstStyle/>
+          <a:p>
+            <a:r>
+              <a:rPr lang="en-CA" dirty="0" smtClean="0"/>
+              <a:t>Web Mail</a:t>
+            </a:r>
+            <a:endParaRPr lang="en-US" dirty="0"/>
+          </a:p>
+        </p:txBody>
+      </p:sp>
+      <p:sp>
+        <p:nvSpPr>
+          <p:cNvPr id="10" name="TextBox 9"/>
+          <p:cNvSpPr txBox="1"/>
+          <p:nvPr/>
+        </p:nvSpPr>
+        <p:spPr>
+          <a:xfrm>
+            <a:off x="4558148" y="1334214"/>
+            <a:ext cx="1460656" cy="369332"/>
+          </a:xfrm>
+          <a:prstGeom prst="rect">
+            <a:avLst/>
+          </a:prstGeom>
+          <a:noFill/>
+        </p:spPr>
+        <p:txBody>
+          <a:bodyPr wrap="none" rtlCol="0">
+            <a:spAutoFit/>
+          </a:bodyPr>
+          <a:lstStyle/>
+          <a:p>
+            <a:r>
+              <a:rPr lang="en-CA" dirty="0" smtClean="0"/>
+              <a:t>IMAP &amp; POP3</a:t>
+            </a:r>
             <a:endParaRPr lang="en-US" dirty="0"/>
           </a:p>
         </p:txBody>
@@ -4475,20 +4671,13 @@
     </p:spTree>
     <p:extLst>
       <p:ext uri="{BB962C8B-B14F-4D97-AF65-F5344CB8AC3E}">
-        <p14:creationId xmlns:p14="http://schemas.microsoft.com/office/powerpoint/2010/main" val="168795950"/>
+        <p14:creationId xmlns:p14="http://schemas.microsoft.com/office/powerpoint/2010/main" val="1625173599"/>
       </p:ext>
     </p:extLst>
   </p:cSld>
   <p:clrMapOvr>
     <a:masterClrMapping/>
   </p:clrMapOvr>
-  <p:timing>
-    <p:tnLst>
-      <p:par>
-        <p:cTn id="1" dur="indefinite" restart="never" nodeType="tmRoot"/>
-      </p:par>
-    </p:tnLst>
-  </p:timing>
 </p:sld>
 </file>
 
@@ -4511,7 +4700,7 @@
       </p:grpSpPr>
       <p:sp>
         <p:nvSpPr>
-          <p:cNvPr id="2" name="Title 1"/>
+          <p:cNvPr id="4" name="Title 3"/>
           <p:cNvSpPr>
             <a:spLocks noGrp="1"/>
           </p:cNvSpPr>
@@ -4519,14 +4708,19 @@
             <p:ph type="title"/>
           </p:nvPr>
         </p:nvSpPr>
-        <p:spPr/>
+        <p:spPr>
+          <a:xfrm>
+            <a:off x="642298" y="119467"/>
+            <a:ext cx="7886700" cy="1325563"/>
+          </a:xfrm>
+        </p:spPr>
         <p:txBody>
           <a:bodyPr/>
           <a:lstStyle/>
           <a:p>
             <a:r>
               <a:rPr lang="en-CA" dirty="0" smtClean="0"/>
-              <a:t>B) Internet Servers (Hardware)</a:t>
+              <a:t>Venn Diagram</a:t>
             </a:r>
             <a:endParaRPr lang="en-US" dirty="0"/>
           </a:p>
@@ -4534,53 +4728,418 @@
       </p:sp>
       <p:sp>
         <p:nvSpPr>
-          <p:cNvPr id="3" name="Content Placeholder 2"/>
-          <p:cNvSpPr>
-            <a:spLocks noGrp="1"/>
-          </p:cNvSpPr>
-          <p:nvPr>
-            <p:ph idx="1"/>
-          </p:nvPr>
-        </p:nvSpPr>
-        <p:spPr/>
-        <p:txBody>
-          <a:bodyPr/>
-          <a:lstStyle/>
-          <a:p>
-            <a:r>
-              <a:rPr lang="en-CA" dirty="0" smtClean="0"/>
-              <a:t>Firewall, </a:t>
-            </a:r>
-            <a:r>
-              <a:rPr lang="en-CA" dirty="0" err="1" smtClean="0"/>
-              <a:t>Lan</a:t>
-            </a:r>
-            <a:r>
-              <a:rPr lang="en-CA" dirty="0" smtClean="0"/>
-              <a:t>, Wan</a:t>
-            </a:r>
-          </a:p>
-          <a:p>
-            <a:r>
-              <a:rPr lang="en-CA" dirty="0" smtClean="0"/>
-              <a:t>VPN</a:t>
-            </a:r>
-          </a:p>
-          <a:p>
-            <a:r>
-              <a:rPr lang="en-CA" dirty="0" smtClean="0"/>
-              <a:t>RAID</a:t>
-            </a:r>
-          </a:p>
-          <a:p>
+          <p:cNvPr id="5" name="Oval 4"/>
+          <p:cNvSpPr/>
+          <p:nvPr/>
+        </p:nvSpPr>
+        <p:spPr>
+          <a:xfrm>
+            <a:off x="873456" y="1308552"/>
+            <a:ext cx="3998794" cy="3630304"/>
+          </a:xfrm>
+          <a:prstGeom prst="ellipse">
+            <a:avLst/>
+          </a:prstGeom>
+          <a:noFill/>
+          <a:ln>
+            <a:solidFill>
+              <a:schemeClr val="tx1"/>
+            </a:solidFill>
+          </a:ln>
+        </p:spPr>
+        <p:style>
+          <a:lnRef idx="2">
+            <a:schemeClr val="accent1">
+              <a:shade val="50000"/>
+            </a:schemeClr>
+          </a:lnRef>
+          <a:fillRef idx="1">
+            <a:schemeClr val="accent1"/>
+          </a:fillRef>
+          <a:effectRef idx="0">
+            <a:schemeClr val="accent1"/>
+          </a:effectRef>
+          <a:fontRef idx="minor">
+            <a:schemeClr val="lt1"/>
+          </a:fontRef>
+        </p:style>
+        <p:txBody>
+          <a:bodyPr rtlCol="0" anchor="ctr"/>
+          <a:lstStyle/>
+          <a:p>
+            <a:pPr algn="ctr"/>
+            <a:endParaRPr lang="en-US"/>
+          </a:p>
+        </p:txBody>
+      </p:sp>
+      <p:sp>
+        <p:nvSpPr>
+          <p:cNvPr id="6" name="Oval 5"/>
+          <p:cNvSpPr/>
+          <p:nvPr/>
+        </p:nvSpPr>
+        <p:spPr>
+          <a:xfrm>
+            <a:off x="3166565" y="1308552"/>
+            <a:ext cx="3998794" cy="3630304"/>
+          </a:xfrm>
+          <a:prstGeom prst="ellipse">
+            <a:avLst/>
+          </a:prstGeom>
+          <a:noFill/>
+          <a:ln>
+            <a:solidFill>
+              <a:schemeClr val="tx1"/>
+            </a:solidFill>
+          </a:ln>
+        </p:spPr>
+        <p:style>
+          <a:lnRef idx="2">
+            <a:schemeClr val="accent1">
+              <a:shade val="50000"/>
+            </a:schemeClr>
+          </a:lnRef>
+          <a:fillRef idx="1">
+            <a:schemeClr val="accent1"/>
+          </a:fillRef>
+          <a:effectRef idx="0">
+            <a:schemeClr val="accent1"/>
+          </a:effectRef>
+          <a:fontRef idx="minor">
+            <a:schemeClr val="lt1"/>
+          </a:fontRef>
+        </p:style>
+        <p:txBody>
+          <a:bodyPr rtlCol="0" anchor="ctr"/>
+          <a:lstStyle/>
+          <a:p>
+            <a:pPr algn="ctr"/>
+            <a:endParaRPr lang="en-US"/>
+          </a:p>
+        </p:txBody>
+      </p:sp>
+      <p:sp>
+        <p:nvSpPr>
+          <p:cNvPr id="7" name="Oval 6"/>
+          <p:cNvSpPr/>
+          <p:nvPr/>
+        </p:nvSpPr>
+        <p:spPr>
+          <a:xfrm>
+            <a:off x="2144972" y="3016252"/>
+            <a:ext cx="3998794" cy="3630304"/>
+          </a:xfrm>
+          <a:prstGeom prst="ellipse">
+            <a:avLst/>
+          </a:prstGeom>
+          <a:noFill/>
+          <a:ln>
+            <a:solidFill>
+              <a:schemeClr val="tx1"/>
+            </a:solidFill>
+          </a:ln>
+        </p:spPr>
+        <p:style>
+          <a:lnRef idx="2">
+            <a:schemeClr val="accent1">
+              <a:shade val="50000"/>
+            </a:schemeClr>
+          </a:lnRef>
+          <a:fillRef idx="1">
+            <a:schemeClr val="accent1"/>
+          </a:fillRef>
+          <a:effectRef idx="0">
+            <a:schemeClr val="accent1"/>
+          </a:effectRef>
+          <a:fontRef idx="minor">
+            <a:schemeClr val="lt1"/>
+          </a:fontRef>
+        </p:style>
+        <p:txBody>
+          <a:bodyPr rtlCol="0" anchor="ctr"/>
+          <a:lstStyle/>
+          <a:p>
+            <a:pPr algn="ctr"/>
+            <a:endParaRPr lang="en-US"/>
+          </a:p>
+        </p:txBody>
+      </p:sp>
+      <p:sp>
+        <p:nvSpPr>
+          <p:cNvPr id="8" name="TextBox 7"/>
+          <p:cNvSpPr txBox="1"/>
+          <p:nvPr/>
+        </p:nvSpPr>
+        <p:spPr>
+          <a:xfrm>
+            <a:off x="2513620" y="1334214"/>
+            <a:ext cx="718466" cy="369332"/>
+          </a:xfrm>
+          <a:prstGeom prst="rect">
+            <a:avLst/>
+          </a:prstGeom>
+          <a:noFill/>
+        </p:spPr>
+        <p:txBody>
+          <a:bodyPr wrap="none" rtlCol="0">
+            <a:spAutoFit/>
+          </a:bodyPr>
+          <a:lstStyle/>
+          <a:p>
+            <a:r>
+              <a:rPr lang="en-CA" dirty="0" smtClean="0"/>
+              <a:t>SMTP</a:t>
+            </a:r>
             <a:endParaRPr lang="en-US" dirty="0"/>
           </a:p>
         </p:txBody>
       </p:sp>
+      <p:sp>
+        <p:nvSpPr>
+          <p:cNvPr id="9" name="TextBox 8"/>
+          <p:cNvSpPr txBox="1"/>
+          <p:nvPr/>
+        </p:nvSpPr>
+        <p:spPr>
+          <a:xfrm>
+            <a:off x="3601816" y="6251562"/>
+            <a:ext cx="1085105" cy="369332"/>
+          </a:xfrm>
+          <a:prstGeom prst="rect">
+            <a:avLst/>
+          </a:prstGeom>
+          <a:noFill/>
+        </p:spPr>
+        <p:txBody>
+          <a:bodyPr wrap="none" rtlCol="0">
+            <a:spAutoFit/>
+          </a:bodyPr>
+          <a:lstStyle/>
+          <a:p>
+            <a:r>
+              <a:rPr lang="en-CA" dirty="0" smtClean="0"/>
+              <a:t>Web Mail</a:t>
+            </a:r>
+            <a:endParaRPr lang="en-US" dirty="0"/>
+          </a:p>
+        </p:txBody>
+      </p:sp>
+      <p:sp>
+        <p:nvSpPr>
+          <p:cNvPr id="10" name="TextBox 9"/>
+          <p:cNvSpPr txBox="1"/>
+          <p:nvPr/>
+        </p:nvSpPr>
+        <p:spPr>
+          <a:xfrm>
+            <a:off x="4558148" y="1334214"/>
+            <a:ext cx="1460656" cy="369332"/>
+          </a:xfrm>
+          <a:prstGeom prst="rect">
+            <a:avLst/>
+          </a:prstGeom>
+          <a:noFill/>
+        </p:spPr>
+        <p:txBody>
+          <a:bodyPr wrap="none" rtlCol="0">
+            <a:spAutoFit/>
+          </a:bodyPr>
+          <a:lstStyle/>
+          <a:p>
+            <a:r>
+              <a:rPr lang="en-CA" dirty="0" smtClean="0"/>
+              <a:t>IMAP &amp; POP3</a:t>
+            </a:r>
+            <a:endParaRPr lang="en-US" dirty="0"/>
+          </a:p>
+        </p:txBody>
+      </p:sp>
+      <p:sp>
+        <p:nvSpPr>
+          <p:cNvPr id="2" name="TextBox 1"/>
+          <p:cNvSpPr txBox="1"/>
+          <p:nvPr/>
+        </p:nvSpPr>
+        <p:spPr>
+          <a:xfrm>
+            <a:off x="6455391" y="5225877"/>
+            <a:ext cx="2629951" cy="615553"/>
+          </a:xfrm>
+          <a:prstGeom prst="rect">
+            <a:avLst/>
+          </a:prstGeom>
+          <a:noFill/>
+        </p:spPr>
+        <p:txBody>
+          <a:bodyPr wrap="none" rtlCol="0">
+            <a:spAutoFit/>
+          </a:bodyPr>
+          <a:lstStyle/>
+          <a:p>
+            <a:r>
+              <a:rPr lang="en-CA" u="sng" dirty="0" smtClean="0">
+                <a:solidFill>
+                  <a:srgbClr val="FF0000"/>
+                </a:solidFill>
+              </a:rPr>
+              <a:t>Facts Specific to Web Mail</a:t>
+            </a:r>
+          </a:p>
+          <a:p>
+            <a:pPr marL="285750" indent="-285750">
+              <a:buFont typeface="Arial" panose="020B0604020202020204" pitchFamily="34" charset="0"/>
+              <a:buChar char="•"/>
+            </a:pPr>
+            <a:r>
+              <a:rPr lang="en-CA" sz="1600" dirty="0" smtClean="0">
+                <a:solidFill>
+                  <a:srgbClr val="FF0000"/>
+                </a:solidFill>
+              </a:rPr>
+              <a:t>Use bullet point notes</a:t>
+            </a:r>
+            <a:endParaRPr lang="en-US" sz="1600" dirty="0">
+              <a:solidFill>
+                <a:srgbClr val="FF0000"/>
+              </a:solidFill>
+            </a:endParaRPr>
+          </a:p>
+        </p:txBody>
+      </p:sp>
+      <p:cxnSp>
+        <p:nvCxnSpPr>
+          <p:cNvPr id="11" name="Straight Arrow Connector 10"/>
+          <p:cNvCxnSpPr/>
+          <p:nvPr/>
+        </p:nvCxnSpPr>
+        <p:spPr>
+          <a:xfrm flipH="1">
+            <a:off x="4558148" y="5527391"/>
+            <a:ext cx="1869947" cy="467927"/>
+          </a:xfrm>
+          <a:prstGeom prst="straightConnector1">
+            <a:avLst/>
+          </a:prstGeom>
+          <a:ln w="28575">
+            <a:solidFill>
+              <a:srgbClr val="FF0000"/>
+            </a:solidFill>
+            <a:tailEnd type="triangle"/>
+          </a:ln>
+        </p:spPr>
+        <p:style>
+          <a:lnRef idx="1">
+            <a:schemeClr val="accent1"/>
+          </a:lnRef>
+          <a:fillRef idx="0">
+            <a:schemeClr val="accent1"/>
+          </a:fillRef>
+          <a:effectRef idx="0">
+            <a:schemeClr val="accent1"/>
+          </a:effectRef>
+          <a:fontRef idx="minor">
+            <a:schemeClr val="tx1"/>
+          </a:fontRef>
+        </p:style>
+      </p:cxnSp>
+      <p:sp>
+        <p:nvSpPr>
+          <p:cNvPr id="13" name="TextBox 12"/>
+          <p:cNvSpPr txBox="1"/>
+          <p:nvPr/>
+        </p:nvSpPr>
+        <p:spPr>
+          <a:xfrm>
+            <a:off x="324939" y="5071988"/>
+            <a:ext cx="1603259" cy="923330"/>
+          </a:xfrm>
+          <a:prstGeom prst="rect">
+            <a:avLst/>
+          </a:prstGeom>
+          <a:noFill/>
+        </p:spPr>
+        <p:txBody>
+          <a:bodyPr wrap="none" rtlCol="0">
+            <a:spAutoFit/>
+          </a:bodyPr>
+          <a:lstStyle/>
+          <a:p>
+            <a:r>
+              <a:rPr lang="en-CA" u="sng" dirty="0" smtClean="0">
+                <a:solidFill>
+                  <a:srgbClr val="0070C0"/>
+                </a:solidFill>
+              </a:rPr>
+              <a:t>Facts Common</a:t>
+            </a:r>
+            <a:br>
+              <a:rPr lang="en-CA" u="sng" dirty="0" smtClean="0">
+                <a:solidFill>
+                  <a:srgbClr val="0070C0"/>
+                </a:solidFill>
+              </a:rPr>
+            </a:br>
+            <a:r>
+              <a:rPr lang="en-CA" u="sng" dirty="0" smtClean="0">
+                <a:solidFill>
+                  <a:srgbClr val="0070C0"/>
+                </a:solidFill>
+              </a:rPr>
+              <a:t>Between SMTP</a:t>
+            </a:r>
+          </a:p>
+          <a:p>
+            <a:r>
+              <a:rPr lang="en-CA" u="sng" dirty="0" smtClean="0">
+                <a:solidFill>
+                  <a:srgbClr val="0070C0"/>
+                </a:solidFill>
+              </a:rPr>
+              <a:t>and Web Mail</a:t>
+            </a:r>
+          </a:p>
+        </p:txBody>
+      </p:sp>
+      <p:cxnSp>
+        <p:nvCxnSpPr>
+          <p:cNvPr id="14" name="Straight Arrow Connector 13"/>
+          <p:cNvCxnSpPr/>
+          <p:nvPr/>
+        </p:nvCxnSpPr>
+        <p:spPr>
+          <a:xfrm flipV="1">
+            <a:off x="1802926" y="4476466"/>
+            <a:ext cx="899331" cy="595523"/>
+          </a:xfrm>
+          <a:prstGeom prst="straightConnector1">
+            <a:avLst/>
+          </a:prstGeom>
+          <a:ln w="28575">
+            <a:solidFill>
+              <a:srgbClr val="0070C0"/>
+            </a:solidFill>
+            <a:tailEnd type="triangle"/>
+          </a:ln>
+        </p:spPr>
+        <p:style>
+          <a:lnRef idx="1">
+            <a:schemeClr val="accent1"/>
+          </a:lnRef>
+          <a:fillRef idx="0">
+            <a:schemeClr val="accent1"/>
+          </a:fillRef>
+          <a:effectRef idx="0">
+            <a:schemeClr val="accent1"/>
+          </a:effectRef>
+          <a:fontRef idx="minor">
+            <a:schemeClr val="tx1"/>
+          </a:fontRef>
+        </p:style>
+      </p:cxnSp>
     </p:spTree>
     <p:extLst>
       <p:ext uri="{BB962C8B-B14F-4D97-AF65-F5344CB8AC3E}">
-        <p14:creationId xmlns:p14="http://schemas.microsoft.com/office/powerpoint/2010/main" val="3251224046"/>
+        <p14:creationId xmlns:p14="http://schemas.microsoft.com/office/powerpoint/2010/main" val="541910078"/>
       </p:ext>
     </p:extLst>
   </p:cSld>
@@ -4761,6 +5320,466 @@
       </p:par>
     </p:tnLst>
   </p:timing>
+</p:sld>
+</file>
+
+<file path=ppt/slides/slide20.xml><?xml version="1.0" encoding="utf-8"?>
+<p:sld xmlns:a="http://schemas.openxmlformats.org/drawingml/2006/main" xmlns:r="http://schemas.openxmlformats.org/officeDocument/2006/relationships" xmlns:p="http://schemas.openxmlformats.org/presentationml/2006/main">
+  <p:cSld>
+    <p:spTree>
+      <p:nvGrpSpPr>
+        <p:cNvPr id="1" name=""/>
+        <p:cNvGrpSpPr/>
+        <p:nvPr/>
+      </p:nvGrpSpPr>
+      <p:grpSpPr>
+        <a:xfrm>
+          <a:off x="0" y="0"/>
+          <a:ext cx="0" cy="0"/>
+          <a:chOff x="0" y="0"/>
+          <a:chExt cx="0" cy="0"/>
+        </a:xfrm>
+      </p:grpSpPr>
+      <p:sp>
+        <p:nvSpPr>
+          <p:cNvPr id="4" name="Title 3"/>
+          <p:cNvSpPr>
+            <a:spLocks noGrp="1"/>
+          </p:cNvSpPr>
+          <p:nvPr>
+            <p:ph type="ctrTitle"/>
+          </p:nvPr>
+        </p:nvSpPr>
+        <p:spPr/>
+        <p:txBody>
+          <a:bodyPr>
+            <a:normAutofit/>
+          </a:bodyPr>
+          <a:lstStyle/>
+          <a:p>
+            <a:r>
+              <a:rPr lang="en-CA" dirty="0" smtClean="0"/>
+              <a:t>Other Server Software</a:t>
+            </a:r>
+            <a:endParaRPr lang="en-US" dirty="0"/>
+          </a:p>
+        </p:txBody>
+      </p:sp>
+      <p:sp>
+        <p:nvSpPr>
+          <p:cNvPr id="5" name="Subtitle 4"/>
+          <p:cNvSpPr>
+            <a:spLocks noGrp="1"/>
+          </p:cNvSpPr>
+          <p:nvPr>
+            <p:ph type="subTitle" idx="1"/>
+          </p:nvPr>
+        </p:nvSpPr>
+        <p:spPr/>
+        <p:txBody>
+          <a:bodyPr>
+            <a:normAutofit/>
+          </a:bodyPr>
+          <a:lstStyle/>
+          <a:p>
+            <a:r>
+              <a:rPr lang="en-CA" sz="4000" dirty="0" smtClean="0"/>
+              <a:t>A.8 Day </a:t>
+            </a:r>
+            <a:r>
+              <a:rPr lang="en-CA" sz="4000" dirty="0"/>
+              <a:t>X</a:t>
+            </a:r>
+            <a:endParaRPr lang="en-US" sz="4000" dirty="0"/>
+          </a:p>
+        </p:txBody>
+      </p:sp>
+    </p:spTree>
+    <p:extLst>
+      <p:ext uri="{BB962C8B-B14F-4D97-AF65-F5344CB8AC3E}">
+        <p14:creationId xmlns:p14="http://schemas.microsoft.com/office/powerpoint/2010/main" val="356805254"/>
+      </p:ext>
+    </p:extLst>
+  </p:cSld>
+  <p:clrMapOvr>
+    <a:masterClrMapping/>
+  </p:clrMapOvr>
+</p:sld>
+</file>
+
+<file path=ppt/slides/slide21.xml><?xml version="1.0" encoding="utf-8"?>
+<p:sld xmlns:a="http://schemas.openxmlformats.org/drawingml/2006/main" xmlns:r="http://schemas.openxmlformats.org/officeDocument/2006/relationships" xmlns:p="http://schemas.openxmlformats.org/presentationml/2006/main">
+  <p:cSld>
+    <p:spTree>
+      <p:nvGrpSpPr>
+        <p:cNvPr id="1" name=""/>
+        <p:cNvGrpSpPr/>
+        <p:nvPr/>
+      </p:nvGrpSpPr>
+      <p:grpSpPr>
+        <a:xfrm>
+          <a:off x="0" y="0"/>
+          <a:ext cx="0" cy="0"/>
+          <a:chOff x="0" y="0"/>
+          <a:chExt cx="0" cy="0"/>
+        </a:xfrm>
+      </p:grpSpPr>
+      <p:sp>
+        <p:nvSpPr>
+          <p:cNvPr id="2" name="Title 1"/>
+          <p:cNvSpPr>
+            <a:spLocks noGrp="1"/>
+          </p:cNvSpPr>
+          <p:nvPr>
+            <p:ph type="title"/>
+          </p:nvPr>
+        </p:nvSpPr>
+        <p:spPr/>
+        <p:txBody>
+          <a:bodyPr/>
+          <a:lstStyle/>
+          <a:p>
+            <a:r>
+              <a:rPr lang="en-CA" dirty="0"/>
+              <a:t>A.3) Common Internet </a:t>
+            </a:r>
+            <a:r>
+              <a:rPr lang="en-CA" dirty="0" smtClean="0"/>
+              <a:t>Services</a:t>
+            </a:r>
+            <a:endParaRPr lang="en-US" dirty="0"/>
+          </a:p>
+        </p:txBody>
+      </p:sp>
+      <p:sp>
+        <p:nvSpPr>
+          <p:cNvPr id="3" name="Content Placeholder 2"/>
+          <p:cNvSpPr>
+            <a:spLocks noGrp="1"/>
+          </p:cNvSpPr>
+          <p:nvPr>
+            <p:ph idx="1"/>
+          </p:nvPr>
+        </p:nvSpPr>
+        <p:spPr/>
+        <p:txBody>
+          <a:bodyPr/>
+          <a:lstStyle/>
+          <a:p>
+            <a:r>
+              <a:rPr lang="en-CA" dirty="0"/>
+              <a:t>DNS (Domain Name Server)</a:t>
+            </a:r>
+          </a:p>
+          <a:p>
+            <a:r>
+              <a:rPr lang="en-CA" dirty="0"/>
+              <a:t>Web </a:t>
+            </a:r>
+            <a:r>
+              <a:rPr lang="en-CA" dirty="0" smtClean="0"/>
+              <a:t>Server</a:t>
+            </a:r>
+          </a:p>
+          <a:p>
+            <a:r>
+              <a:rPr lang="en-CA" dirty="0" smtClean="0"/>
+              <a:t>HTTP protocol</a:t>
+            </a:r>
+            <a:endParaRPr lang="en-CA" dirty="0"/>
+          </a:p>
+          <a:p>
+            <a:r>
+              <a:rPr lang="en-CA" dirty="0" smtClean="0"/>
+              <a:t>Mail </a:t>
+            </a:r>
+            <a:r>
+              <a:rPr lang="en-CA" dirty="0"/>
+              <a:t>Server</a:t>
+            </a:r>
+          </a:p>
+          <a:p>
+            <a:r>
+              <a:rPr lang="en-CA" dirty="0" smtClean="0"/>
+              <a:t>File </a:t>
+            </a:r>
+            <a:r>
+              <a:rPr lang="en-CA" dirty="0"/>
+              <a:t>Server</a:t>
+            </a:r>
+          </a:p>
+          <a:p>
+            <a:r>
+              <a:rPr lang="en-CA" dirty="0"/>
+              <a:t>Database Server</a:t>
+            </a:r>
+          </a:p>
+          <a:p>
+            <a:r>
+              <a:rPr lang="en-CA" dirty="0"/>
+              <a:t>Application Servers</a:t>
+            </a:r>
+            <a:endParaRPr lang="en-US" dirty="0"/>
+          </a:p>
+          <a:p>
+            <a:endParaRPr lang="en-US" dirty="0"/>
+          </a:p>
+        </p:txBody>
+      </p:sp>
+    </p:spTree>
+    <p:extLst>
+      <p:ext uri="{BB962C8B-B14F-4D97-AF65-F5344CB8AC3E}">
+        <p14:creationId xmlns:p14="http://schemas.microsoft.com/office/powerpoint/2010/main" val="3203842205"/>
+      </p:ext>
+    </p:extLst>
+  </p:cSld>
+  <p:clrMapOvr>
+    <a:masterClrMapping/>
+  </p:clrMapOvr>
+  <p:timing>
+    <p:tnLst>
+      <p:par>
+        <p:cTn id="1" dur="indefinite" restart="never" nodeType="tmRoot"/>
+      </p:par>
+    </p:tnLst>
+  </p:timing>
+</p:sld>
+</file>
+
+<file path=ppt/slides/slide22.xml><?xml version="1.0" encoding="utf-8"?>
+<p:sld xmlns:a="http://schemas.openxmlformats.org/drawingml/2006/main" xmlns:r="http://schemas.openxmlformats.org/officeDocument/2006/relationships" xmlns:p="http://schemas.openxmlformats.org/presentationml/2006/main">
+  <p:cSld>
+    <p:spTree>
+      <p:nvGrpSpPr>
+        <p:cNvPr id="1" name=""/>
+        <p:cNvGrpSpPr/>
+        <p:nvPr/>
+      </p:nvGrpSpPr>
+      <p:grpSpPr>
+        <a:xfrm>
+          <a:off x="0" y="0"/>
+          <a:ext cx="0" cy="0"/>
+          <a:chOff x="0" y="0"/>
+          <a:chExt cx="0" cy="0"/>
+        </a:xfrm>
+      </p:grpSpPr>
+      <p:sp>
+        <p:nvSpPr>
+          <p:cNvPr id="2" name="Title 1"/>
+          <p:cNvSpPr>
+            <a:spLocks noGrp="1"/>
+          </p:cNvSpPr>
+          <p:nvPr>
+            <p:ph type="title"/>
+          </p:nvPr>
+        </p:nvSpPr>
+        <p:spPr/>
+        <p:txBody>
+          <a:bodyPr/>
+          <a:lstStyle/>
+          <a:p>
+            <a:r>
+              <a:rPr lang="en-CA" dirty="0"/>
+              <a:t>A.3) Common Internet </a:t>
+            </a:r>
+            <a:r>
+              <a:rPr lang="en-CA" dirty="0" smtClean="0"/>
+              <a:t>Services</a:t>
+            </a:r>
+            <a:endParaRPr lang="en-US" dirty="0"/>
+          </a:p>
+        </p:txBody>
+      </p:sp>
+      <p:sp>
+        <p:nvSpPr>
+          <p:cNvPr id="3" name="Content Placeholder 2"/>
+          <p:cNvSpPr>
+            <a:spLocks noGrp="1"/>
+          </p:cNvSpPr>
+          <p:nvPr>
+            <p:ph idx="1"/>
+          </p:nvPr>
+        </p:nvSpPr>
+        <p:spPr/>
+        <p:txBody>
+          <a:bodyPr/>
+          <a:lstStyle/>
+          <a:p>
+            <a:r>
+              <a:rPr lang="en-CA" dirty="0"/>
+              <a:t>DNS (Domain Name Server)</a:t>
+            </a:r>
+          </a:p>
+          <a:p>
+            <a:r>
+              <a:rPr lang="en-CA" dirty="0"/>
+              <a:t>Web </a:t>
+            </a:r>
+            <a:r>
+              <a:rPr lang="en-CA" dirty="0" smtClean="0"/>
+              <a:t>Server</a:t>
+            </a:r>
+          </a:p>
+          <a:p>
+            <a:r>
+              <a:rPr lang="en-CA" dirty="0" smtClean="0"/>
+              <a:t>HTTP protocol</a:t>
+            </a:r>
+            <a:endParaRPr lang="en-CA" dirty="0"/>
+          </a:p>
+          <a:p>
+            <a:r>
+              <a:rPr lang="en-CA" dirty="0" smtClean="0"/>
+              <a:t>Mail </a:t>
+            </a:r>
+            <a:r>
+              <a:rPr lang="en-CA" dirty="0"/>
+              <a:t>Server</a:t>
+            </a:r>
+          </a:p>
+          <a:p>
+            <a:r>
+              <a:rPr lang="en-CA" dirty="0" smtClean="0"/>
+              <a:t>File </a:t>
+            </a:r>
+            <a:r>
+              <a:rPr lang="en-CA" dirty="0"/>
+              <a:t>Server</a:t>
+            </a:r>
+          </a:p>
+          <a:p>
+            <a:r>
+              <a:rPr lang="en-CA" dirty="0"/>
+              <a:t>Database Server</a:t>
+            </a:r>
+          </a:p>
+          <a:p>
+            <a:r>
+              <a:rPr lang="en-CA" dirty="0"/>
+              <a:t>Application Servers</a:t>
+            </a:r>
+            <a:endParaRPr lang="en-US" dirty="0"/>
+          </a:p>
+          <a:p>
+            <a:endParaRPr lang="en-US" dirty="0"/>
+          </a:p>
+        </p:txBody>
+      </p:sp>
+    </p:spTree>
+    <p:extLst>
+      <p:ext uri="{BB962C8B-B14F-4D97-AF65-F5344CB8AC3E}">
+        <p14:creationId xmlns:p14="http://schemas.microsoft.com/office/powerpoint/2010/main" val="168795950"/>
+      </p:ext>
+    </p:extLst>
+  </p:cSld>
+  <p:clrMapOvr>
+    <a:masterClrMapping/>
+  </p:clrMapOvr>
+  <p:timing>
+    <p:tnLst>
+      <p:par>
+        <p:cTn id="1" dur="indefinite" restart="never" nodeType="tmRoot"/>
+      </p:par>
+    </p:tnLst>
+  </p:timing>
+</p:sld>
+</file>
+
+<file path=ppt/slides/slide23.xml><?xml version="1.0" encoding="utf-8"?>
+<p:sld xmlns:a="http://schemas.openxmlformats.org/drawingml/2006/main" xmlns:r="http://schemas.openxmlformats.org/officeDocument/2006/relationships" xmlns:p="http://schemas.openxmlformats.org/presentationml/2006/main">
+  <p:cSld>
+    <p:spTree>
+      <p:nvGrpSpPr>
+        <p:cNvPr id="1" name=""/>
+        <p:cNvGrpSpPr/>
+        <p:nvPr/>
+      </p:nvGrpSpPr>
+      <p:grpSpPr>
+        <a:xfrm>
+          <a:off x="0" y="0"/>
+          <a:ext cx="0" cy="0"/>
+          <a:chOff x="0" y="0"/>
+          <a:chExt cx="0" cy="0"/>
+        </a:xfrm>
+      </p:grpSpPr>
+      <p:sp>
+        <p:nvSpPr>
+          <p:cNvPr id="2" name="Title 1"/>
+          <p:cNvSpPr>
+            <a:spLocks noGrp="1"/>
+          </p:cNvSpPr>
+          <p:nvPr>
+            <p:ph type="title"/>
+          </p:nvPr>
+        </p:nvSpPr>
+        <p:spPr/>
+        <p:txBody>
+          <a:bodyPr/>
+          <a:lstStyle/>
+          <a:p>
+            <a:r>
+              <a:rPr lang="en-CA" dirty="0" smtClean="0"/>
+              <a:t>B) Internet Servers (Hardware)</a:t>
+            </a:r>
+            <a:endParaRPr lang="en-US" dirty="0"/>
+          </a:p>
+        </p:txBody>
+      </p:sp>
+      <p:sp>
+        <p:nvSpPr>
+          <p:cNvPr id="3" name="Content Placeholder 2"/>
+          <p:cNvSpPr>
+            <a:spLocks noGrp="1"/>
+          </p:cNvSpPr>
+          <p:nvPr>
+            <p:ph idx="1"/>
+          </p:nvPr>
+        </p:nvSpPr>
+        <p:spPr/>
+        <p:txBody>
+          <a:bodyPr/>
+          <a:lstStyle/>
+          <a:p>
+            <a:r>
+              <a:rPr lang="en-CA" dirty="0" smtClean="0"/>
+              <a:t>Firewall, </a:t>
+            </a:r>
+            <a:r>
+              <a:rPr lang="en-CA" dirty="0" err="1" smtClean="0"/>
+              <a:t>Lan</a:t>
+            </a:r>
+            <a:r>
+              <a:rPr lang="en-CA" dirty="0" smtClean="0"/>
+              <a:t>, Wan</a:t>
+            </a:r>
+          </a:p>
+          <a:p>
+            <a:r>
+              <a:rPr lang="en-CA" dirty="0" smtClean="0"/>
+              <a:t>VPN</a:t>
+            </a:r>
+          </a:p>
+          <a:p>
+            <a:r>
+              <a:rPr lang="en-CA" dirty="0" smtClean="0"/>
+              <a:t>RAID</a:t>
+            </a:r>
+          </a:p>
+          <a:p>
+            <a:endParaRPr lang="en-US" dirty="0"/>
+          </a:p>
+        </p:txBody>
+      </p:sp>
+    </p:spTree>
+    <p:extLst>
+      <p:ext uri="{BB962C8B-B14F-4D97-AF65-F5344CB8AC3E}">
+        <p14:creationId xmlns:p14="http://schemas.microsoft.com/office/powerpoint/2010/main" val="3251224046"/>
+      </p:ext>
+    </p:extLst>
+  </p:cSld>
+  <p:clrMapOvr>
+    <a:masterClrMapping/>
+  </p:clrMapOvr>
 </p:sld>
 </file>
 

--- a/Topic A Computer Systems/A.8 Lesson - World Wide Web.pptx
+++ b/Topic A Computer Systems/A.8 Lesson - World Wide Web.pptx
@@ -25,9 +25,15 @@
     <p:sldId id="277" r:id="rId19"/>
     <p:sldId id="278" r:id="rId20"/>
     <p:sldId id="275" r:id="rId21"/>
-    <p:sldId id="263" r:id="rId22"/>
-    <p:sldId id="264" r:id="rId23"/>
-    <p:sldId id="258" r:id="rId24"/>
+    <p:sldId id="282" r:id="rId22"/>
+    <p:sldId id="283" r:id="rId23"/>
+    <p:sldId id="284" r:id="rId24"/>
+    <p:sldId id="281" r:id="rId25"/>
+    <p:sldId id="263" r:id="rId26"/>
+    <p:sldId id="264" r:id="rId27"/>
+    <p:sldId id="258" r:id="rId28"/>
+    <p:sldId id="279" r:id="rId29"/>
+    <p:sldId id="280" r:id="rId30"/>
   </p:sldIdLst>
   <p:sldSz cx="9144000" cy="6858000" type="screen4x3"/>
   <p:notesSz cx="6858000" cy="9144000"/>
@@ -265,7 +271,7 @@
           <a:p>
             <a:fld id="{75D0985A-54A3-4E21-A8D3-D2A269DFDA74}" type="datetimeFigureOut">
               <a:rPr lang="en-US" smtClean="0"/>
-              <a:t>1/10/2020</a:t>
+              <a:t>1/13/2020</a:t>
             </a:fld>
             <a:endParaRPr lang="en-US"/>
           </a:p>
@@ -435,7 +441,7 @@
           <a:p>
             <a:fld id="{75D0985A-54A3-4E21-A8D3-D2A269DFDA74}" type="datetimeFigureOut">
               <a:rPr lang="en-US" smtClean="0"/>
-              <a:t>1/10/2020</a:t>
+              <a:t>1/13/2020</a:t>
             </a:fld>
             <a:endParaRPr lang="en-US"/>
           </a:p>
@@ -615,7 +621,7 @@
           <a:p>
             <a:fld id="{75D0985A-54A3-4E21-A8D3-D2A269DFDA74}" type="datetimeFigureOut">
               <a:rPr lang="en-US" smtClean="0"/>
-              <a:t>1/10/2020</a:t>
+              <a:t>1/13/2020</a:t>
             </a:fld>
             <a:endParaRPr lang="en-US"/>
           </a:p>
@@ -785,7 +791,7 @@
           <a:p>
             <a:fld id="{75D0985A-54A3-4E21-A8D3-D2A269DFDA74}" type="datetimeFigureOut">
               <a:rPr lang="en-US" smtClean="0"/>
-              <a:t>1/10/2020</a:t>
+              <a:t>1/13/2020</a:t>
             </a:fld>
             <a:endParaRPr lang="en-US"/>
           </a:p>
@@ -1029,7 +1035,7 @@
           <a:p>
             <a:fld id="{75D0985A-54A3-4E21-A8D3-D2A269DFDA74}" type="datetimeFigureOut">
               <a:rPr lang="en-US" smtClean="0"/>
-              <a:t>1/10/2020</a:t>
+              <a:t>1/13/2020</a:t>
             </a:fld>
             <a:endParaRPr lang="en-US"/>
           </a:p>
@@ -1261,7 +1267,7 @@
           <a:p>
             <a:fld id="{75D0985A-54A3-4E21-A8D3-D2A269DFDA74}" type="datetimeFigureOut">
               <a:rPr lang="en-US" smtClean="0"/>
-              <a:t>1/10/2020</a:t>
+              <a:t>1/13/2020</a:t>
             </a:fld>
             <a:endParaRPr lang="en-US"/>
           </a:p>
@@ -1628,7 +1634,7 @@
           <a:p>
             <a:fld id="{75D0985A-54A3-4E21-A8D3-D2A269DFDA74}" type="datetimeFigureOut">
               <a:rPr lang="en-US" smtClean="0"/>
-              <a:t>1/10/2020</a:t>
+              <a:t>1/13/2020</a:t>
             </a:fld>
             <a:endParaRPr lang="en-US"/>
           </a:p>
@@ -1746,7 +1752,7 @@
           <a:p>
             <a:fld id="{75D0985A-54A3-4E21-A8D3-D2A269DFDA74}" type="datetimeFigureOut">
               <a:rPr lang="en-US" smtClean="0"/>
-              <a:t>1/10/2020</a:t>
+              <a:t>1/13/2020</a:t>
             </a:fld>
             <a:endParaRPr lang="en-US"/>
           </a:p>
@@ -1841,7 +1847,7 @@
           <a:p>
             <a:fld id="{75D0985A-54A3-4E21-A8D3-D2A269DFDA74}" type="datetimeFigureOut">
               <a:rPr lang="en-US" smtClean="0"/>
-              <a:t>1/10/2020</a:t>
+              <a:t>1/13/2020</a:t>
             </a:fld>
             <a:endParaRPr lang="en-US"/>
           </a:p>
@@ -2118,7 +2124,7 @@
           <a:p>
             <a:fld id="{75D0985A-54A3-4E21-A8D3-D2A269DFDA74}" type="datetimeFigureOut">
               <a:rPr lang="en-US" smtClean="0"/>
-              <a:t>1/10/2020</a:t>
+              <a:t>1/13/2020</a:t>
             </a:fld>
             <a:endParaRPr lang="en-US"/>
           </a:p>
@@ -2375,7 +2381,7 @@
           <a:p>
             <a:fld id="{75D0985A-54A3-4E21-A8D3-D2A269DFDA74}" type="datetimeFigureOut">
               <a:rPr lang="en-US" smtClean="0"/>
-              <a:t>1/10/2020</a:t>
+              <a:t>1/13/2020</a:t>
             </a:fld>
             <a:endParaRPr lang="en-US"/>
           </a:p>
@@ -2588,7 +2594,7 @@
           <a:p>
             <a:fld id="{75D0985A-54A3-4E21-A8D3-D2A269DFDA74}" type="datetimeFigureOut">
               <a:rPr lang="en-US" smtClean="0"/>
-              <a:t>1/10/2020</a:t>
+              <a:t>1/13/2020</a:t>
             </a:fld>
             <a:endParaRPr lang="en-US"/>
           </a:p>
@@ -5359,7 +5365,7 @@
           <a:p>
             <a:r>
               <a:rPr lang="en-CA" dirty="0" smtClean="0"/>
-              <a:t>Other Server Software</a:t>
+              <a:t>Local Area Network (LAN)</a:t>
             </a:r>
             <a:endParaRPr lang="en-US" dirty="0"/>
           </a:p>
@@ -5387,8 +5393,8 @@
               <a:t>A.8 Day </a:t>
             </a:r>
             <a:r>
-              <a:rPr lang="en-CA" sz="4000" dirty="0"/>
-              <a:t>X</a:t>
+              <a:rPr lang="en-CA" sz="4000" dirty="0" smtClean="0"/>
+              <a:t>4</a:t>
             </a:r>
             <a:endParaRPr lang="en-US" sz="4000" dirty="0"/>
           </a:p>
@@ -5440,6 +5446,575 @@
           <a:lstStyle/>
           <a:p>
             <a:r>
+              <a:rPr lang="en-CA" dirty="0" smtClean="0"/>
+              <a:t>What is a LAN?</a:t>
+            </a:r>
+            <a:endParaRPr lang="en-US" dirty="0"/>
+          </a:p>
+        </p:txBody>
+      </p:sp>
+      <p:sp>
+        <p:nvSpPr>
+          <p:cNvPr id="3" name="Content Placeholder 2"/>
+          <p:cNvSpPr>
+            <a:spLocks noGrp="1"/>
+          </p:cNvSpPr>
+          <p:nvPr>
+            <p:ph idx="1"/>
+          </p:nvPr>
+        </p:nvSpPr>
+        <p:spPr/>
+        <p:txBody>
+          <a:bodyPr>
+            <a:normAutofit lnSpcReduction="10000"/>
+          </a:bodyPr>
+          <a:lstStyle/>
+          <a:p>
+            <a:r>
+              <a:rPr lang="en-CA" sz="2400" dirty="0" smtClean="0"/>
+              <a:t>LAN stands for Local Area Network</a:t>
+            </a:r>
+          </a:p>
+          <a:p>
+            <a:pPr lvl="1"/>
+            <a:endParaRPr lang="en-CA" sz="2000" dirty="0"/>
+          </a:p>
+          <a:p>
+            <a:r>
+              <a:rPr lang="en-CA" sz="2400" dirty="0" smtClean="0"/>
+              <a:t>A LAN is a small group of related </a:t>
+            </a:r>
+            <a:br>
+              <a:rPr lang="en-CA" sz="2400" dirty="0" smtClean="0"/>
+            </a:br>
+            <a:r>
+              <a:rPr lang="en-CA" sz="2400" dirty="0" smtClean="0"/>
+              <a:t>computer equipment.</a:t>
+            </a:r>
+          </a:p>
+          <a:p>
+            <a:pPr lvl="1"/>
+            <a:r>
+              <a:rPr lang="en-CA" sz="2000" dirty="0" smtClean="0"/>
+              <a:t>In your house</a:t>
+            </a:r>
+          </a:p>
+          <a:p>
+            <a:pPr lvl="1"/>
+            <a:r>
+              <a:rPr lang="en-CA" sz="2000" dirty="0" smtClean="0"/>
+              <a:t>In a business office</a:t>
+            </a:r>
+          </a:p>
+          <a:p>
+            <a:pPr lvl="1"/>
+            <a:r>
+              <a:rPr lang="en-CA" sz="2000" dirty="0" smtClean="0"/>
+              <a:t>In a classroom</a:t>
+            </a:r>
+          </a:p>
+          <a:p>
+            <a:pPr lvl="1"/>
+            <a:endParaRPr lang="en-CA" sz="2000" dirty="0"/>
+          </a:p>
+          <a:p>
+            <a:r>
+              <a:rPr lang="en-CA" sz="2400" dirty="0" smtClean="0"/>
+              <a:t>Equipment connected to a LAN includes</a:t>
+            </a:r>
+          </a:p>
+          <a:p>
+            <a:pPr lvl="1"/>
+            <a:r>
+              <a:rPr lang="en-CA" sz="2000" dirty="0" smtClean="0"/>
+              <a:t>PCs, Laptops, Smartphones, and other personal computers</a:t>
+            </a:r>
+          </a:p>
+          <a:p>
+            <a:pPr lvl="1"/>
+            <a:r>
+              <a:rPr lang="en-CA" sz="2000" dirty="0" smtClean="0"/>
+              <a:t>Printers, TVs, Security Cameras, Alexa, and other devices</a:t>
+            </a:r>
+          </a:p>
+          <a:p>
+            <a:pPr lvl="1"/>
+            <a:r>
+              <a:rPr lang="en-CA" sz="2000" dirty="0" smtClean="0"/>
+              <a:t>Switch &amp; Router (sometimes called a Hub)</a:t>
+            </a:r>
+          </a:p>
+          <a:p>
+            <a:pPr lvl="1"/>
+            <a:endParaRPr lang="en-US" sz="2000" dirty="0"/>
+          </a:p>
+        </p:txBody>
+      </p:sp>
+      <p:pic>
+        <p:nvPicPr>
+          <p:cNvPr id="4" name="Picture 3"/>
+          <p:cNvPicPr>
+            <a:picLocks noChangeAspect="1"/>
+          </p:cNvPicPr>
+          <p:nvPr/>
+        </p:nvPicPr>
+        <p:blipFill>
+          <a:blip r:embed="rId2"/>
+          <a:stretch>
+            <a:fillRect/>
+          </a:stretch>
+        </p:blipFill>
+        <p:spPr>
+          <a:xfrm>
+            <a:off x="5084603" y="2047165"/>
+            <a:ext cx="3703204" cy="2389164"/>
+          </a:xfrm>
+          <a:prstGeom prst="rect">
+            <a:avLst/>
+          </a:prstGeom>
+        </p:spPr>
+      </p:pic>
+    </p:spTree>
+    <p:extLst>
+      <p:ext uri="{BB962C8B-B14F-4D97-AF65-F5344CB8AC3E}">
+        <p14:creationId xmlns:p14="http://schemas.microsoft.com/office/powerpoint/2010/main" val="481184864"/>
+      </p:ext>
+    </p:extLst>
+  </p:cSld>
+  <p:clrMapOvr>
+    <a:masterClrMapping/>
+  </p:clrMapOvr>
+</p:sld>
+</file>
+
+<file path=ppt/slides/slide22.xml><?xml version="1.0" encoding="utf-8"?>
+<p:sld xmlns:a="http://schemas.openxmlformats.org/drawingml/2006/main" xmlns:r="http://schemas.openxmlformats.org/officeDocument/2006/relationships" xmlns:p="http://schemas.openxmlformats.org/presentationml/2006/main">
+  <p:cSld>
+    <p:spTree>
+      <p:nvGrpSpPr>
+        <p:cNvPr id="1" name=""/>
+        <p:cNvGrpSpPr/>
+        <p:nvPr/>
+      </p:nvGrpSpPr>
+      <p:grpSpPr>
+        <a:xfrm>
+          <a:off x="0" y="0"/>
+          <a:ext cx="0" cy="0"/>
+          <a:chOff x="0" y="0"/>
+          <a:chExt cx="0" cy="0"/>
+        </a:xfrm>
+      </p:grpSpPr>
+      <p:pic>
+        <p:nvPicPr>
+          <p:cNvPr id="4" name="Picture 3"/>
+          <p:cNvPicPr>
+            <a:picLocks noChangeAspect="1"/>
+          </p:cNvPicPr>
+          <p:nvPr/>
+        </p:nvPicPr>
+        <p:blipFill>
+          <a:blip r:embed="rId2"/>
+          <a:stretch>
+            <a:fillRect/>
+          </a:stretch>
+        </p:blipFill>
+        <p:spPr>
+          <a:xfrm rot="21227661">
+            <a:off x="6026483" y="1985918"/>
+            <a:ext cx="2830984" cy="1611075"/>
+          </a:xfrm>
+          <a:prstGeom prst="rect">
+            <a:avLst/>
+          </a:prstGeom>
+        </p:spPr>
+      </p:pic>
+      <p:sp>
+        <p:nvSpPr>
+          <p:cNvPr id="2" name="Title 1"/>
+          <p:cNvSpPr>
+            <a:spLocks noGrp="1"/>
+          </p:cNvSpPr>
+          <p:nvPr>
+            <p:ph type="title"/>
+          </p:nvPr>
+        </p:nvSpPr>
+        <p:spPr/>
+        <p:txBody>
+          <a:bodyPr/>
+          <a:lstStyle/>
+          <a:p>
+            <a:r>
+              <a:rPr lang="en-CA" dirty="0" smtClean="0"/>
+              <a:t>LAN Connection Technologies</a:t>
+            </a:r>
+            <a:endParaRPr lang="en-US" dirty="0"/>
+          </a:p>
+        </p:txBody>
+      </p:sp>
+      <p:sp>
+        <p:nvSpPr>
+          <p:cNvPr id="3" name="Content Placeholder 2"/>
+          <p:cNvSpPr>
+            <a:spLocks noGrp="1"/>
+          </p:cNvSpPr>
+          <p:nvPr>
+            <p:ph idx="1"/>
+          </p:nvPr>
+        </p:nvSpPr>
+        <p:spPr/>
+        <p:txBody>
+          <a:bodyPr>
+            <a:normAutofit/>
+          </a:bodyPr>
+          <a:lstStyle/>
+          <a:p>
+            <a:r>
+              <a:rPr lang="en-CA" sz="2000" dirty="0" smtClean="0"/>
+              <a:t>Devices can connect to a LAN Hub using…</a:t>
+            </a:r>
+          </a:p>
+          <a:p>
+            <a:pPr lvl="1"/>
+            <a:r>
+              <a:rPr lang="en-CA" sz="1800" dirty="0" smtClean="0"/>
+              <a:t>Ethernet Cables (e.g. blue wires) – High Bandwidth</a:t>
+            </a:r>
+          </a:p>
+          <a:p>
+            <a:pPr lvl="1"/>
+            <a:r>
+              <a:rPr lang="en-CA" sz="1800" dirty="0" err="1" smtClean="0"/>
+              <a:t>WiFi</a:t>
+            </a:r>
+            <a:r>
+              <a:rPr lang="en-CA" sz="1800" dirty="0" smtClean="0"/>
+              <a:t> – Medium Bandwidth but Most Convenient</a:t>
+            </a:r>
+          </a:p>
+          <a:p>
+            <a:pPr lvl="1"/>
+            <a:r>
+              <a:rPr lang="en-CA" sz="1800" dirty="0" smtClean="0"/>
+              <a:t>Hotspot – Medium Bandwidth for Special Cases</a:t>
+            </a:r>
+          </a:p>
+          <a:p>
+            <a:pPr lvl="1"/>
+            <a:r>
+              <a:rPr lang="en-CA" sz="1800" dirty="0" smtClean="0"/>
+              <a:t>USB Printer Cable – Low Bandwidth</a:t>
+            </a:r>
+          </a:p>
+          <a:p>
+            <a:pPr lvl="1"/>
+            <a:endParaRPr lang="en-CA" sz="1800" dirty="0" smtClean="0"/>
+          </a:p>
+          <a:p>
+            <a:r>
+              <a:rPr lang="en-CA" sz="2000" dirty="0" smtClean="0"/>
+              <a:t>The LAN Hub can connect to the internet using…</a:t>
+            </a:r>
+          </a:p>
+          <a:p>
+            <a:pPr lvl="1"/>
+            <a:r>
+              <a:rPr lang="en-CA" sz="1800" dirty="0" smtClean="0"/>
+              <a:t>Fiber Optic (e.g. </a:t>
+            </a:r>
+            <a:r>
+              <a:rPr lang="en-CA" sz="1800" dirty="0" err="1" smtClean="0"/>
+              <a:t>Fibe</a:t>
+            </a:r>
+            <a:r>
+              <a:rPr lang="en-CA" sz="1800" dirty="0" smtClean="0"/>
+              <a:t>) – Extreme Bandwidth</a:t>
+            </a:r>
+          </a:p>
+          <a:p>
+            <a:pPr lvl="1"/>
+            <a:r>
+              <a:rPr lang="en-CA" sz="1800" dirty="0" err="1" smtClean="0"/>
+              <a:t>WiFi</a:t>
+            </a:r>
+            <a:r>
+              <a:rPr lang="en-CA" sz="1800" dirty="0" smtClean="0"/>
+              <a:t> - </a:t>
+            </a:r>
+            <a:r>
+              <a:rPr lang="en-CA" sz="1800" dirty="0"/>
+              <a:t>Medium Bandwidth </a:t>
+            </a:r>
+            <a:endParaRPr lang="en-CA" sz="1800" dirty="0" smtClean="0"/>
+          </a:p>
+          <a:p>
+            <a:pPr lvl="1"/>
+            <a:r>
+              <a:rPr lang="en-CA" sz="1800" dirty="0" smtClean="0"/>
+              <a:t>Cable TV – High Bandwidth</a:t>
+            </a:r>
+          </a:p>
+          <a:p>
+            <a:pPr lvl="1"/>
+            <a:r>
+              <a:rPr lang="en-CA" sz="1800" dirty="0" smtClean="0"/>
+              <a:t>DSL Phone Lines – Medium Bandwidth</a:t>
+            </a:r>
+          </a:p>
+          <a:p>
+            <a:pPr lvl="1"/>
+            <a:r>
+              <a:rPr lang="en-CA" sz="1800" dirty="0" smtClean="0"/>
+              <a:t>Dialup Modem – Very Slow and Old Technology </a:t>
+            </a:r>
+          </a:p>
+          <a:p>
+            <a:pPr lvl="1"/>
+            <a:r>
+              <a:rPr lang="en-CA" sz="1800" dirty="0" smtClean="0"/>
+              <a:t>Satellite – Special Cases</a:t>
+            </a:r>
+            <a:endParaRPr lang="en-US" sz="1800" dirty="0"/>
+          </a:p>
+        </p:txBody>
+      </p:sp>
+      <p:pic>
+        <p:nvPicPr>
+          <p:cNvPr id="5" name="Picture 4"/>
+          <p:cNvPicPr>
+            <a:picLocks noChangeAspect="1"/>
+          </p:cNvPicPr>
+          <p:nvPr/>
+        </p:nvPicPr>
+        <p:blipFill>
+          <a:blip r:embed="rId3"/>
+          <a:stretch>
+            <a:fillRect/>
+          </a:stretch>
+        </p:blipFill>
+        <p:spPr>
+          <a:xfrm>
+            <a:off x="6546159" y="3892222"/>
+            <a:ext cx="2179641" cy="2342957"/>
+          </a:xfrm>
+          <a:prstGeom prst="rect">
+            <a:avLst/>
+          </a:prstGeom>
+        </p:spPr>
+      </p:pic>
+    </p:spTree>
+    <p:extLst>
+      <p:ext uri="{BB962C8B-B14F-4D97-AF65-F5344CB8AC3E}">
+        <p14:creationId xmlns:p14="http://schemas.microsoft.com/office/powerpoint/2010/main" val="3111618400"/>
+      </p:ext>
+    </p:extLst>
+  </p:cSld>
+  <p:clrMapOvr>
+    <a:masterClrMapping/>
+  </p:clrMapOvr>
+</p:sld>
+</file>
+
+<file path=ppt/slides/slide23.xml><?xml version="1.0" encoding="utf-8"?>
+<p:sld xmlns:a="http://schemas.openxmlformats.org/drawingml/2006/main" xmlns:r="http://schemas.openxmlformats.org/officeDocument/2006/relationships" xmlns:p="http://schemas.openxmlformats.org/presentationml/2006/main">
+  <p:cSld>
+    <p:spTree>
+      <p:nvGrpSpPr>
+        <p:cNvPr id="1" name=""/>
+        <p:cNvGrpSpPr/>
+        <p:nvPr/>
+      </p:nvGrpSpPr>
+      <p:grpSpPr>
+        <a:xfrm>
+          <a:off x="0" y="0"/>
+          <a:ext cx="0" cy="0"/>
+          <a:chOff x="0" y="0"/>
+          <a:chExt cx="0" cy="0"/>
+        </a:xfrm>
+      </p:grpSpPr>
+      <p:sp>
+        <p:nvSpPr>
+          <p:cNvPr id="4" name="Title 3"/>
+          <p:cNvSpPr>
+            <a:spLocks noGrp="1"/>
+          </p:cNvSpPr>
+          <p:nvPr>
+            <p:ph type="ctrTitle"/>
+          </p:nvPr>
+        </p:nvSpPr>
+        <p:spPr/>
+        <p:txBody>
+          <a:bodyPr>
+            <a:normAutofit/>
+          </a:bodyPr>
+          <a:lstStyle/>
+          <a:p>
+            <a:r>
+              <a:rPr lang="en-CA" dirty="0" smtClean="0"/>
+              <a:t>Wide Area Network (WAN)</a:t>
+            </a:r>
+            <a:endParaRPr lang="en-US" dirty="0"/>
+          </a:p>
+        </p:txBody>
+      </p:sp>
+      <p:sp>
+        <p:nvSpPr>
+          <p:cNvPr id="5" name="Subtitle 4"/>
+          <p:cNvSpPr>
+            <a:spLocks noGrp="1"/>
+          </p:cNvSpPr>
+          <p:nvPr>
+            <p:ph type="subTitle" idx="1"/>
+          </p:nvPr>
+        </p:nvSpPr>
+        <p:spPr/>
+        <p:txBody>
+          <a:bodyPr>
+            <a:normAutofit/>
+          </a:bodyPr>
+          <a:lstStyle/>
+          <a:p>
+            <a:r>
+              <a:rPr lang="en-CA" sz="4000" dirty="0" smtClean="0"/>
+              <a:t>A.8 Day </a:t>
+            </a:r>
+            <a:r>
+              <a:rPr lang="en-CA" sz="4000" dirty="0" smtClean="0"/>
+              <a:t>5</a:t>
+            </a:r>
+            <a:endParaRPr lang="en-US" sz="4000" dirty="0"/>
+          </a:p>
+        </p:txBody>
+      </p:sp>
+    </p:spTree>
+    <p:extLst>
+      <p:ext uri="{BB962C8B-B14F-4D97-AF65-F5344CB8AC3E}">
+        <p14:creationId xmlns:p14="http://schemas.microsoft.com/office/powerpoint/2010/main" val="4190966763"/>
+      </p:ext>
+    </p:extLst>
+  </p:cSld>
+  <p:clrMapOvr>
+    <a:masterClrMapping/>
+  </p:clrMapOvr>
+</p:sld>
+</file>
+
+<file path=ppt/slides/slide24.xml><?xml version="1.0" encoding="utf-8"?>
+<p:sld xmlns:a="http://schemas.openxmlformats.org/drawingml/2006/main" xmlns:r="http://schemas.openxmlformats.org/officeDocument/2006/relationships" xmlns:p="http://schemas.openxmlformats.org/presentationml/2006/main">
+  <p:cSld>
+    <p:spTree>
+      <p:nvGrpSpPr>
+        <p:cNvPr id="1" name=""/>
+        <p:cNvGrpSpPr/>
+        <p:nvPr/>
+      </p:nvGrpSpPr>
+      <p:grpSpPr>
+        <a:xfrm>
+          <a:off x="0" y="0"/>
+          <a:ext cx="0" cy="0"/>
+          <a:chOff x="0" y="0"/>
+          <a:chExt cx="0" cy="0"/>
+        </a:xfrm>
+      </p:grpSpPr>
+      <p:sp>
+        <p:nvSpPr>
+          <p:cNvPr id="4" name="Title 3"/>
+          <p:cNvSpPr>
+            <a:spLocks noGrp="1"/>
+          </p:cNvSpPr>
+          <p:nvPr>
+            <p:ph type="ctrTitle"/>
+          </p:nvPr>
+        </p:nvSpPr>
+        <p:spPr/>
+        <p:txBody>
+          <a:bodyPr>
+            <a:normAutofit/>
+          </a:bodyPr>
+          <a:lstStyle/>
+          <a:p>
+            <a:r>
+              <a:rPr lang="en-CA" dirty="0" smtClean="0"/>
+              <a:t>Other Server Software</a:t>
+            </a:r>
+            <a:endParaRPr lang="en-US" dirty="0"/>
+          </a:p>
+        </p:txBody>
+      </p:sp>
+      <p:sp>
+        <p:nvSpPr>
+          <p:cNvPr id="5" name="Subtitle 4"/>
+          <p:cNvSpPr>
+            <a:spLocks noGrp="1"/>
+          </p:cNvSpPr>
+          <p:nvPr>
+            <p:ph type="subTitle" idx="1"/>
+          </p:nvPr>
+        </p:nvSpPr>
+        <p:spPr/>
+        <p:txBody>
+          <a:bodyPr>
+            <a:normAutofit/>
+          </a:bodyPr>
+          <a:lstStyle/>
+          <a:p>
+            <a:r>
+              <a:rPr lang="en-CA" sz="4000" dirty="0" smtClean="0"/>
+              <a:t>A.8 Day </a:t>
+            </a:r>
+            <a:r>
+              <a:rPr lang="en-CA" sz="4000" dirty="0"/>
+              <a:t>X</a:t>
+            </a:r>
+            <a:endParaRPr lang="en-US" sz="4000" dirty="0"/>
+          </a:p>
+        </p:txBody>
+      </p:sp>
+    </p:spTree>
+    <p:extLst>
+      <p:ext uri="{BB962C8B-B14F-4D97-AF65-F5344CB8AC3E}">
+        <p14:creationId xmlns:p14="http://schemas.microsoft.com/office/powerpoint/2010/main" val="83168310"/>
+      </p:ext>
+    </p:extLst>
+  </p:cSld>
+  <p:clrMapOvr>
+    <a:masterClrMapping/>
+  </p:clrMapOvr>
+</p:sld>
+</file>
+
+<file path=ppt/slides/slide25.xml><?xml version="1.0" encoding="utf-8"?>
+<p:sld xmlns:a="http://schemas.openxmlformats.org/drawingml/2006/main" xmlns:r="http://schemas.openxmlformats.org/officeDocument/2006/relationships" xmlns:p="http://schemas.openxmlformats.org/presentationml/2006/main">
+  <p:cSld>
+    <p:spTree>
+      <p:nvGrpSpPr>
+        <p:cNvPr id="1" name=""/>
+        <p:cNvGrpSpPr/>
+        <p:nvPr/>
+      </p:nvGrpSpPr>
+      <p:grpSpPr>
+        <a:xfrm>
+          <a:off x="0" y="0"/>
+          <a:ext cx="0" cy="0"/>
+          <a:chOff x="0" y="0"/>
+          <a:chExt cx="0" cy="0"/>
+        </a:xfrm>
+      </p:grpSpPr>
+      <p:sp>
+        <p:nvSpPr>
+          <p:cNvPr id="2" name="Title 1"/>
+          <p:cNvSpPr>
+            <a:spLocks noGrp="1"/>
+          </p:cNvSpPr>
+          <p:nvPr>
+            <p:ph type="title"/>
+          </p:nvPr>
+        </p:nvSpPr>
+        <p:spPr/>
+        <p:txBody>
+          <a:bodyPr/>
+          <a:lstStyle/>
+          <a:p>
+            <a:r>
               <a:rPr lang="en-CA" dirty="0"/>
               <a:t>A.3) Common Internet </a:t>
             </a:r>
@@ -5546,7 +6121,7 @@
 </p:sld>
 </file>
 
-<file path=ppt/slides/slide22.xml><?xml version="1.0" encoding="utf-8"?>
+<file path=ppt/slides/slide26.xml><?xml version="1.0" encoding="utf-8"?>
 <p:sld xmlns:a="http://schemas.openxmlformats.org/drawingml/2006/main" xmlns:r="http://schemas.openxmlformats.org/officeDocument/2006/relationships" xmlns:p="http://schemas.openxmlformats.org/presentationml/2006/main">
   <p:cSld>
     <p:spTree>
@@ -5685,7 +6260,7 @@
 </p:sld>
 </file>
 
-<file path=ppt/slides/slide23.xml><?xml version="1.0" encoding="utf-8"?>
+<file path=ppt/slides/slide27.xml><?xml version="1.0" encoding="utf-8"?>
 <p:sld xmlns:a="http://schemas.openxmlformats.org/drawingml/2006/main" xmlns:r="http://schemas.openxmlformats.org/officeDocument/2006/relationships" xmlns:p="http://schemas.openxmlformats.org/presentationml/2006/main">
   <p:cSld>
     <p:spTree>
@@ -5774,6 +6349,286 @@
     <p:extLst>
       <p:ext uri="{BB962C8B-B14F-4D97-AF65-F5344CB8AC3E}">
         <p14:creationId xmlns:p14="http://schemas.microsoft.com/office/powerpoint/2010/main" val="3251224046"/>
+      </p:ext>
+    </p:extLst>
+  </p:cSld>
+  <p:clrMapOvr>
+    <a:masterClrMapping/>
+  </p:clrMapOvr>
+</p:sld>
+</file>
+
+<file path=ppt/slides/slide28.xml><?xml version="1.0" encoding="utf-8"?>
+<p:sld xmlns:a="http://schemas.openxmlformats.org/drawingml/2006/main" xmlns:r="http://schemas.openxmlformats.org/officeDocument/2006/relationships" xmlns:p="http://schemas.openxmlformats.org/presentationml/2006/main">
+  <p:cSld>
+    <p:spTree>
+      <p:nvGrpSpPr>
+        <p:cNvPr id="1" name=""/>
+        <p:cNvGrpSpPr/>
+        <p:nvPr/>
+      </p:nvGrpSpPr>
+      <p:grpSpPr>
+        <a:xfrm>
+          <a:off x="0" y="0"/>
+          <a:ext cx="0" cy="0"/>
+          <a:chOff x="0" y="0"/>
+          <a:chExt cx="0" cy="0"/>
+        </a:xfrm>
+      </p:grpSpPr>
+      <p:sp>
+        <p:nvSpPr>
+          <p:cNvPr id="2" name="Title 1"/>
+          <p:cNvSpPr>
+            <a:spLocks noGrp="1"/>
+          </p:cNvSpPr>
+          <p:nvPr>
+            <p:ph type="title"/>
+          </p:nvPr>
+        </p:nvSpPr>
+        <p:spPr/>
+        <p:txBody>
+          <a:bodyPr/>
+          <a:lstStyle/>
+          <a:p>
+            <a:endParaRPr lang="en-US"/>
+          </a:p>
+        </p:txBody>
+      </p:sp>
+      <p:sp>
+        <p:nvSpPr>
+          <p:cNvPr id="3" name="Content Placeholder 2"/>
+          <p:cNvSpPr>
+            <a:spLocks noGrp="1"/>
+          </p:cNvSpPr>
+          <p:nvPr>
+            <p:ph idx="1"/>
+          </p:nvPr>
+        </p:nvSpPr>
+        <p:spPr/>
+        <p:txBody>
+          <a:bodyPr/>
+          <a:lstStyle/>
+          <a:p>
+            <a:endParaRPr lang="en-US"/>
+          </a:p>
+        </p:txBody>
+      </p:sp>
+      <p:pic>
+        <p:nvPicPr>
+          <p:cNvPr id="4" name="Picture 3"/>
+          <p:cNvPicPr>
+            <a:picLocks noChangeAspect="1"/>
+          </p:cNvPicPr>
+          <p:nvPr/>
+        </p:nvPicPr>
+        <p:blipFill>
+          <a:blip r:embed="rId2"/>
+          <a:stretch>
+            <a:fillRect/>
+          </a:stretch>
+        </p:blipFill>
+        <p:spPr>
+          <a:xfrm>
+            <a:off x="2702257" y="1679803"/>
+            <a:ext cx="5341605" cy="4997222"/>
+          </a:xfrm>
+          <a:prstGeom prst="rect">
+            <a:avLst/>
+          </a:prstGeom>
+        </p:spPr>
+      </p:pic>
+    </p:spTree>
+    <p:extLst>
+      <p:ext uri="{BB962C8B-B14F-4D97-AF65-F5344CB8AC3E}">
+        <p14:creationId xmlns:p14="http://schemas.microsoft.com/office/powerpoint/2010/main" val="122446193"/>
+      </p:ext>
+    </p:extLst>
+  </p:cSld>
+  <p:clrMapOvr>
+    <a:masterClrMapping/>
+  </p:clrMapOvr>
+</p:sld>
+</file>
+
+<file path=ppt/slides/slide29.xml><?xml version="1.0" encoding="utf-8"?>
+<p:sld xmlns:a="http://schemas.openxmlformats.org/drawingml/2006/main" xmlns:r="http://schemas.openxmlformats.org/officeDocument/2006/relationships" xmlns:p="http://schemas.openxmlformats.org/presentationml/2006/main">
+  <p:cSld>
+    <p:spTree>
+      <p:nvGrpSpPr>
+        <p:cNvPr id="1" name=""/>
+        <p:cNvGrpSpPr/>
+        <p:nvPr/>
+      </p:nvGrpSpPr>
+      <p:grpSpPr>
+        <a:xfrm>
+          <a:off x="0" y="0"/>
+          <a:ext cx="0" cy="0"/>
+          <a:chOff x="0" y="0"/>
+          <a:chExt cx="0" cy="0"/>
+        </a:xfrm>
+      </p:grpSpPr>
+      <p:sp>
+        <p:nvSpPr>
+          <p:cNvPr id="2" name="Title 1"/>
+          <p:cNvSpPr>
+            <a:spLocks noGrp="1"/>
+          </p:cNvSpPr>
+          <p:nvPr>
+            <p:ph type="title"/>
+          </p:nvPr>
+        </p:nvSpPr>
+        <p:spPr/>
+        <p:txBody>
+          <a:bodyPr/>
+          <a:lstStyle/>
+          <a:p>
+            <a:endParaRPr lang="en-US"/>
+          </a:p>
+        </p:txBody>
+      </p:sp>
+      <p:sp>
+        <p:nvSpPr>
+          <p:cNvPr id="3" name="Content Placeholder 2"/>
+          <p:cNvSpPr>
+            <a:spLocks noGrp="1"/>
+          </p:cNvSpPr>
+          <p:nvPr>
+            <p:ph idx="1"/>
+          </p:nvPr>
+        </p:nvSpPr>
+        <p:spPr/>
+        <p:txBody>
+          <a:bodyPr/>
+          <a:lstStyle/>
+          <a:p>
+            <a:endParaRPr lang="en-US" dirty="0"/>
+          </a:p>
+        </p:txBody>
+      </p:sp>
+      <p:pic>
+        <p:nvPicPr>
+          <p:cNvPr id="4" name="Picture 3"/>
+          <p:cNvPicPr>
+            <a:picLocks noChangeAspect="1"/>
+          </p:cNvPicPr>
+          <p:nvPr/>
+        </p:nvPicPr>
+        <p:blipFill>
+          <a:blip r:embed="rId2"/>
+          <a:stretch>
+            <a:fillRect/>
+          </a:stretch>
+        </p:blipFill>
+        <p:spPr>
+          <a:xfrm>
+            <a:off x="1952980" y="2630843"/>
+            <a:ext cx="5019675" cy="3238500"/>
+          </a:xfrm>
+          <a:prstGeom prst="rect">
+            <a:avLst/>
+          </a:prstGeom>
+        </p:spPr>
+      </p:pic>
+      <p:sp>
+        <p:nvSpPr>
+          <p:cNvPr id="5" name="Rectangle 4"/>
+          <p:cNvSpPr/>
+          <p:nvPr/>
+        </p:nvSpPr>
+        <p:spPr>
+          <a:xfrm>
+            <a:off x="2333767" y="5445457"/>
+            <a:ext cx="3411941" cy="109182"/>
+          </a:xfrm>
+          <a:prstGeom prst="rect">
+            <a:avLst/>
+          </a:prstGeom>
+          <a:solidFill>
+            <a:schemeClr val="bg1"/>
+          </a:solidFill>
+          <a:ln>
+            <a:solidFill>
+              <a:schemeClr val="bg1"/>
+            </a:solidFill>
+          </a:ln>
+        </p:spPr>
+        <p:style>
+          <a:lnRef idx="2">
+            <a:schemeClr val="accent1">
+              <a:shade val="50000"/>
+            </a:schemeClr>
+          </a:lnRef>
+          <a:fillRef idx="1">
+            <a:schemeClr val="accent1"/>
+          </a:fillRef>
+          <a:effectRef idx="0">
+            <a:schemeClr val="accent1"/>
+          </a:effectRef>
+          <a:fontRef idx="minor">
+            <a:schemeClr val="lt1"/>
+          </a:fontRef>
+        </p:style>
+        <p:txBody>
+          <a:bodyPr rtlCol="0" anchor="ctr"/>
+          <a:lstStyle/>
+          <a:p>
+            <a:pPr algn="ctr"/>
+            <a:endParaRPr lang="en-US"/>
+          </a:p>
+        </p:txBody>
+      </p:sp>
+      <p:sp>
+        <p:nvSpPr>
+          <p:cNvPr id="6" name="Rectangle 5"/>
+          <p:cNvSpPr/>
+          <p:nvPr/>
+        </p:nvSpPr>
+        <p:spPr>
+          <a:xfrm>
+            <a:off x="5950424" y="5677469"/>
+            <a:ext cx="832513" cy="191874"/>
+          </a:xfrm>
+          <a:prstGeom prst="rect">
+            <a:avLst/>
+          </a:prstGeom>
+          <a:solidFill>
+            <a:schemeClr val="bg1"/>
+          </a:solidFill>
+          <a:ln>
+            <a:solidFill>
+              <a:schemeClr val="bg1"/>
+            </a:solidFill>
+          </a:ln>
+        </p:spPr>
+        <p:style>
+          <a:lnRef idx="2">
+            <a:schemeClr val="accent1">
+              <a:shade val="50000"/>
+            </a:schemeClr>
+          </a:lnRef>
+          <a:fillRef idx="1">
+            <a:schemeClr val="accent1"/>
+          </a:fillRef>
+          <a:effectRef idx="0">
+            <a:schemeClr val="accent1"/>
+          </a:effectRef>
+          <a:fontRef idx="minor">
+            <a:schemeClr val="lt1"/>
+          </a:fontRef>
+        </p:style>
+        <p:txBody>
+          <a:bodyPr rtlCol="0" anchor="ctr"/>
+          <a:lstStyle/>
+          <a:p>
+            <a:pPr algn="ctr"/>
+            <a:endParaRPr lang="en-US"/>
+          </a:p>
+        </p:txBody>
+      </p:sp>
+    </p:spTree>
+    <p:extLst>
+      <p:ext uri="{BB962C8B-B14F-4D97-AF65-F5344CB8AC3E}">
+        <p14:creationId xmlns:p14="http://schemas.microsoft.com/office/powerpoint/2010/main" val="2926352279"/>
       </p:ext>
     </p:extLst>
   </p:cSld>

--- a/Topic A Computer Systems/A.8 Lesson - World Wide Web.pptx
+++ b/Topic A Computer Systems/A.8 Lesson - World Wide Web.pptx
@@ -28,12 +28,15 @@
     <p:sldId id="282" r:id="rId22"/>
     <p:sldId id="283" r:id="rId23"/>
     <p:sldId id="284" r:id="rId24"/>
-    <p:sldId id="281" r:id="rId25"/>
-    <p:sldId id="263" r:id="rId26"/>
-    <p:sldId id="264" r:id="rId27"/>
-    <p:sldId id="258" r:id="rId28"/>
-    <p:sldId id="279" r:id="rId29"/>
-    <p:sldId id="280" r:id="rId30"/>
+    <p:sldId id="285" r:id="rId25"/>
+    <p:sldId id="286" r:id="rId26"/>
+    <p:sldId id="287" r:id="rId27"/>
+    <p:sldId id="281" r:id="rId28"/>
+    <p:sldId id="263" r:id="rId29"/>
+    <p:sldId id="264" r:id="rId30"/>
+    <p:sldId id="258" r:id="rId31"/>
+    <p:sldId id="279" r:id="rId32"/>
+    <p:sldId id="280" r:id="rId33"/>
   </p:sldIdLst>
   <p:sldSz cx="9144000" cy="6858000" type="screen4x3"/>
   <p:notesSz cx="6858000" cy="9144000"/>
@@ -271,7 +274,7 @@
           <a:p>
             <a:fld id="{75D0985A-54A3-4E21-A8D3-D2A269DFDA74}" type="datetimeFigureOut">
               <a:rPr lang="en-US" smtClean="0"/>
-              <a:t>1/13/2020</a:t>
+              <a:t>1/14/2020</a:t>
             </a:fld>
             <a:endParaRPr lang="en-US"/>
           </a:p>
@@ -441,7 +444,7 @@
           <a:p>
             <a:fld id="{75D0985A-54A3-4E21-A8D3-D2A269DFDA74}" type="datetimeFigureOut">
               <a:rPr lang="en-US" smtClean="0"/>
-              <a:t>1/13/2020</a:t>
+              <a:t>1/14/2020</a:t>
             </a:fld>
             <a:endParaRPr lang="en-US"/>
           </a:p>
@@ -621,7 +624,7 @@
           <a:p>
             <a:fld id="{75D0985A-54A3-4E21-A8D3-D2A269DFDA74}" type="datetimeFigureOut">
               <a:rPr lang="en-US" smtClean="0"/>
-              <a:t>1/13/2020</a:t>
+              <a:t>1/14/2020</a:t>
             </a:fld>
             <a:endParaRPr lang="en-US"/>
           </a:p>
@@ -791,7 +794,7 @@
           <a:p>
             <a:fld id="{75D0985A-54A3-4E21-A8D3-D2A269DFDA74}" type="datetimeFigureOut">
               <a:rPr lang="en-US" smtClean="0"/>
-              <a:t>1/13/2020</a:t>
+              <a:t>1/14/2020</a:t>
             </a:fld>
             <a:endParaRPr lang="en-US"/>
           </a:p>
@@ -1035,7 +1038,7 @@
           <a:p>
             <a:fld id="{75D0985A-54A3-4E21-A8D3-D2A269DFDA74}" type="datetimeFigureOut">
               <a:rPr lang="en-US" smtClean="0"/>
-              <a:t>1/13/2020</a:t>
+              <a:t>1/14/2020</a:t>
             </a:fld>
             <a:endParaRPr lang="en-US"/>
           </a:p>
@@ -1267,7 +1270,7 @@
           <a:p>
             <a:fld id="{75D0985A-54A3-4E21-A8D3-D2A269DFDA74}" type="datetimeFigureOut">
               <a:rPr lang="en-US" smtClean="0"/>
-              <a:t>1/13/2020</a:t>
+              <a:t>1/14/2020</a:t>
             </a:fld>
             <a:endParaRPr lang="en-US"/>
           </a:p>
@@ -1634,7 +1637,7 @@
           <a:p>
             <a:fld id="{75D0985A-54A3-4E21-A8D3-D2A269DFDA74}" type="datetimeFigureOut">
               <a:rPr lang="en-US" smtClean="0"/>
-              <a:t>1/13/2020</a:t>
+              <a:t>1/14/2020</a:t>
             </a:fld>
             <a:endParaRPr lang="en-US"/>
           </a:p>
@@ -1752,7 +1755,7 @@
           <a:p>
             <a:fld id="{75D0985A-54A3-4E21-A8D3-D2A269DFDA74}" type="datetimeFigureOut">
               <a:rPr lang="en-US" smtClean="0"/>
-              <a:t>1/13/2020</a:t>
+              <a:t>1/14/2020</a:t>
             </a:fld>
             <a:endParaRPr lang="en-US"/>
           </a:p>
@@ -1847,7 +1850,7 @@
           <a:p>
             <a:fld id="{75D0985A-54A3-4E21-A8D3-D2A269DFDA74}" type="datetimeFigureOut">
               <a:rPr lang="en-US" smtClean="0"/>
-              <a:t>1/13/2020</a:t>
+              <a:t>1/14/2020</a:t>
             </a:fld>
             <a:endParaRPr lang="en-US"/>
           </a:p>
@@ -2124,7 +2127,7 @@
           <a:p>
             <a:fld id="{75D0985A-54A3-4E21-A8D3-D2A269DFDA74}" type="datetimeFigureOut">
               <a:rPr lang="en-US" smtClean="0"/>
-              <a:t>1/13/2020</a:t>
+              <a:t>1/14/2020</a:t>
             </a:fld>
             <a:endParaRPr lang="en-US"/>
           </a:p>
@@ -2381,7 +2384,7 @@
           <a:p>
             <a:fld id="{75D0985A-54A3-4E21-A8D3-D2A269DFDA74}" type="datetimeFigureOut">
               <a:rPr lang="en-US" smtClean="0"/>
-              <a:t>1/13/2020</a:t>
+              <a:t>1/14/2020</a:t>
             </a:fld>
             <a:endParaRPr lang="en-US"/>
           </a:p>
@@ -2594,7 +2597,7 @@
           <a:p>
             <a:fld id="{75D0985A-54A3-4E21-A8D3-D2A269DFDA74}" type="datetimeFigureOut">
               <a:rPr lang="en-US" smtClean="0"/>
-              <a:t>1/13/2020</a:t>
+              <a:t>1/14/2020</a:t>
             </a:fld>
             <a:endParaRPr lang="en-US"/>
           </a:p>
@@ -5390,11 +5393,7 @@
           <a:p>
             <a:r>
               <a:rPr lang="en-CA" sz="4000" dirty="0" smtClean="0"/>
-              <a:t>A.8 Day </a:t>
-            </a:r>
-            <a:r>
-              <a:rPr lang="en-CA" sz="4000" dirty="0" smtClean="0"/>
-              <a:t>4</a:t>
+              <a:t>A.8 Day 4</a:t>
             </a:r>
             <a:endParaRPr lang="en-US" sz="4000" dirty="0"/>
           </a:p>
@@ -5850,7 +5849,7 @@
           <a:p>
             <a:r>
               <a:rPr lang="en-CA" dirty="0" smtClean="0"/>
-              <a:t>Wide Area Network (WAN)</a:t>
+              <a:t>Internet Hosting</a:t>
             </a:r>
             <a:endParaRPr lang="en-US" dirty="0"/>
           </a:p>
@@ -5875,11 +5874,7 @@
           <a:p>
             <a:r>
               <a:rPr lang="en-CA" sz="4000" dirty="0" smtClean="0"/>
-              <a:t>A.8 Day </a:t>
-            </a:r>
-            <a:r>
-              <a:rPr lang="en-CA" sz="4000" dirty="0" smtClean="0"/>
-              <a:t>5</a:t>
+              <a:t>A.8 Day 5</a:t>
             </a:r>
             <a:endParaRPr lang="en-US" sz="4000" dirty="0"/>
           </a:p>
@@ -5917,24 +5912,22 @@
       </p:grpSpPr>
       <p:sp>
         <p:nvSpPr>
-          <p:cNvPr id="4" name="Title 3"/>
-          <p:cNvSpPr>
-            <a:spLocks noGrp="1"/>
-          </p:cNvSpPr>
-          <p:nvPr>
-            <p:ph type="ctrTitle"/>
-          </p:nvPr>
-        </p:nvSpPr>
-        <p:spPr/>
-        <p:txBody>
-          <a:bodyPr>
-            <a:normAutofit/>
-          </a:bodyPr>
-          <a:lstStyle/>
-          <a:p>
-            <a:r>
-              <a:rPr lang="en-CA" dirty="0" smtClean="0"/>
-              <a:t>Other Server Software</a:t>
+          <p:cNvPr id="2" name="Title 1"/>
+          <p:cNvSpPr>
+            <a:spLocks noGrp="1"/>
+          </p:cNvSpPr>
+          <p:nvPr>
+            <p:ph type="title"/>
+          </p:nvPr>
+        </p:nvSpPr>
+        <p:spPr/>
+        <p:txBody>
+          <a:bodyPr/>
+          <a:lstStyle/>
+          <a:p>
+            <a:r>
+              <a:rPr lang="en-CA" dirty="0"/>
+              <a:t>Hosting Service Providers </a:t>
             </a:r>
             <a:endParaRPr lang="en-US" dirty="0"/>
           </a:p>
@@ -5942,37 +5935,160 @@
       </p:sp>
       <p:sp>
         <p:nvSpPr>
-          <p:cNvPr id="5" name="Subtitle 4"/>
-          <p:cNvSpPr>
-            <a:spLocks noGrp="1"/>
-          </p:cNvSpPr>
-          <p:nvPr>
-            <p:ph type="subTitle" idx="1"/>
-          </p:nvPr>
-        </p:nvSpPr>
-        <p:spPr/>
-        <p:txBody>
-          <a:bodyPr>
-            <a:normAutofit/>
-          </a:bodyPr>
-          <a:lstStyle/>
-          <a:p>
-            <a:r>
-              <a:rPr lang="en-CA" sz="4000" dirty="0" smtClean="0"/>
-              <a:t>A.8 Day </a:t>
-            </a:r>
-            <a:r>
-              <a:rPr lang="en-CA" sz="4000" dirty="0"/>
-              <a:t>X</a:t>
-            </a:r>
-            <a:endParaRPr lang="en-US" sz="4000" dirty="0"/>
-          </a:p>
-        </p:txBody>
-      </p:sp>
+          <p:cNvPr id="3" name="Content Placeholder 2"/>
+          <p:cNvSpPr>
+            <a:spLocks noGrp="1"/>
+          </p:cNvSpPr>
+          <p:nvPr>
+            <p:ph idx="1"/>
+          </p:nvPr>
+        </p:nvSpPr>
+        <p:spPr/>
+        <p:txBody>
+          <a:bodyPr/>
+          <a:lstStyle/>
+          <a:p>
+            <a:r>
+              <a:rPr lang="en-CA" dirty="0" err="1" smtClean="0"/>
+              <a:t>GoDaddy</a:t>
+            </a:r>
+            <a:r>
+              <a:rPr lang="en-CA" dirty="0" smtClean="0"/>
+              <a:t> Curse</a:t>
+            </a:r>
+          </a:p>
+          <a:p>
+            <a:pPr lvl="1"/>
+            <a:r>
+              <a:rPr lang="en-US" sz="2000" dirty="0">
+                <a:hlinkClick r:id="rId2"/>
+              </a:rPr>
+              <a:t>https://dailyhive.com/toronto/godaddy-curse-raptors-cj-miles</a:t>
+            </a:r>
+            <a:endParaRPr lang="en-CA" sz="2000" dirty="0" smtClean="0"/>
+          </a:p>
+          <a:p>
+            <a:endParaRPr lang="en-CA" dirty="0"/>
+          </a:p>
+          <a:p>
+            <a:r>
+              <a:rPr lang="en-CA" dirty="0" smtClean="0"/>
+              <a:t>Hosting Service Providers allow you to set up a presence on the Internet</a:t>
+            </a:r>
+          </a:p>
+          <a:p>
+            <a:pPr lvl="1"/>
+            <a:r>
+              <a:rPr lang="en-CA" dirty="0" smtClean="0"/>
+              <a:t>For business reasons</a:t>
+            </a:r>
+          </a:p>
+          <a:p>
+            <a:pPr lvl="1"/>
+            <a:r>
+              <a:rPr lang="en-CA" dirty="0" smtClean="0"/>
+              <a:t>For personal interest</a:t>
+            </a:r>
+          </a:p>
+          <a:p>
+            <a:pPr lvl="1"/>
+            <a:endParaRPr lang="en-CA" dirty="0"/>
+          </a:p>
+          <a:p>
+            <a:r>
+              <a:rPr lang="en-CA" dirty="0" smtClean="0"/>
+              <a:t>Note: These providers do not provide Internet Connection Services.</a:t>
+            </a:r>
+            <a:endParaRPr lang="en-US" dirty="0"/>
+          </a:p>
+        </p:txBody>
+      </p:sp>
+      <p:pic>
+        <p:nvPicPr>
+          <p:cNvPr id="1028" name="Picture 4" descr="Image result for squarespace"/>
+          <p:cNvPicPr>
+            <a:picLocks noChangeAspect="1" noChangeArrowheads="1"/>
+          </p:cNvPicPr>
+          <p:nvPr/>
+        </p:nvPicPr>
+        <p:blipFill>
+          <a:blip r:embed="rId3" cstate="print">
+            <a:extLst>
+              <a:ext uri="{28A0092B-C50C-407E-A947-70E740481C1C}">
+                <a14:useLocalDpi xmlns:a14="http://schemas.microsoft.com/office/drawing/2010/main" val="0"/>
+              </a:ext>
+            </a:extLst>
+          </a:blip>
+          <a:srcRect/>
+          <a:stretch>
+            <a:fillRect/>
+          </a:stretch>
+        </p:blipFill>
+        <p:spPr bwMode="auto">
+          <a:xfrm>
+            <a:off x="5008616" y="3903260"/>
+            <a:ext cx="1075204" cy="1025028"/>
+          </a:xfrm>
+          <a:prstGeom prst="rect">
+            <a:avLst/>
+          </a:prstGeom>
+          <a:noFill/>
+          <a:extLst>
+            <a:ext uri="{909E8E84-426E-40DD-AFC4-6F175D3DCCD1}">
+              <a14:hiddenFill xmlns:a14="http://schemas.microsoft.com/office/drawing/2010/main">
+                <a:solidFill>
+                  <a:srgbClr val="FFFFFF"/>
+                </a:solidFill>
+              </a14:hiddenFill>
+            </a:ext>
+          </a:extLst>
+        </p:spPr>
+      </p:pic>
+      <p:pic>
+        <p:nvPicPr>
+          <p:cNvPr id="1030" name="Picture 6" descr="Image result for godaddy"/>
+          <p:cNvPicPr>
+            <a:picLocks noChangeAspect="1" noChangeArrowheads="1"/>
+          </p:cNvPicPr>
+          <p:nvPr/>
+        </p:nvPicPr>
+        <p:blipFill>
+          <a:blip r:embed="rId4" cstate="print">
+            <a:extLst>
+              <a:ext uri="{28A0092B-C50C-407E-A947-70E740481C1C}">
+                <a14:useLocalDpi xmlns:a14="http://schemas.microsoft.com/office/drawing/2010/main" val="0"/>
+              </a:ext>
+            </a:extLst>
+          </a:blip>
+          <a:srcRect/>
+          <a:stretch>
+            <a:fillRect/>
+          </a:stretch>
+        </p:blipFill>
+        <p:spPr bwMode="auto">
+          <a:xfrm>
+            <a:off x="6531044" y="3743467"/>
+            <a:ext cx="1344613" cy="1344613"/>
+          </a:xfrm>
+          <a:prstGeom prst="rect">
+            <a:avLst/>
+          </a:prstGeom>
+          <a:noFill/>
+          <a:extLst>
+            <a:ext uri="{909E8E84-426E-40DD-AFC4-6F175D3DCCD1}">
+              <a14:hiddenFill xmlns:a14="http://schemas.microsoft.com/office/drawing/2010/main">
+                <a:solidFill>
+                  <a:srgbClr val="FFFFFF"/>
+                </a:solidFill>
+              </a14:hiddenFill>
+            </a:ext>
+          </a:extLst>
+        </p:spPr>
+      </p:pic>
     </p:spTree>
     <p:extLst>
       <p:ext uri="{BB962C8B-B14F-4D97-AF65-F5344CB8AC3E}">
-        <p14:creationId xmlns:p14="http://schemas.microsoft.com/office/powerpoint/2010/main" val="83168310"/>
+        <p14:creationId xmlns:p14="http://schemas.microsoft.com/office/powerpoint/2010/main" val="943147596"/>
       </p:ext>
     </p:extLst>
   </p:cSld>
@@ -6015,6 +6131,411 @@
           <a:lstStyle/>
           <a:p>
             <a:r>
+              <a:rPr lang="en-CA" dirty="0" smtClean="0"/>
+              <a:t>Internet Service Providers (ISPs)</a:t>
+            </a:r>
+            <a:endParaRPr lang="en-US" dirty="0"/>
+          </a:p>
+        </p:txBody>
+      </p:sp>
+      <p:sp>
+        <p:nvSpPr>
+          <p:cNvPr id="3" name="Content Placeholder 2"/>
+          <p:cNvSpPr>
+            <a:spLocks noGrp="1"/>
+          </p:cNvSpPr>
+          <p:nvPr>
+            <p:ph idx="1"/>
+          </p:nvPr>
+        </p:nvSpPr>
+        <p:spPr/>
+        <p:txBody>
+          <a:bodyPr/>
+          <a:lstStyle/>
+          <a:p>
+            <a:r>
+              <a:rPr lang="en-US" dirty="0" smtClean="0"/>
+              <a:t>An Internet </a:t>
+            </a:r>
+            <a:r>
+              <a:rPr lang="en-US" dirty="0"/>
+              <a:t>Service </a:t>
+            </a:r>
+            <a:r>
+              <a:rPr lang="en-US" dirty="0" smtClean="0"/>
+              <a:t>Provider </a:t>
+            </a:r>
+            <a:r>
+              <a:rPr lang="en-US" dirty="0"/>
+              <a:t>(</a:t>
+            </a:r>
+            <a:r>
+              <a:rPr lang="en-US" dirty="0" smtClean="0"/>
+              <a:t>ISP) </a:t>
+            </a:r>
+          </a:p>
+          <a:p>
+            <a:pPr lvl="1"/>
+            <a:r>
+              <a:rPr lang="en-US" dirty="0" smtClean="0"/>
+              <a:t>provides </a:t>
+            </a:r>
+            <a:r>
+              <a:rPr lang="en-US" dirty="0"/>
+              <a:t>hardware and software services </a:t>
+            </a:r>
+            <a:endParaRPr lang="en-US" dirty="0" smtClean="0"/>
+          </a:p>
+          <a:p>
+            <a:pPr lvl="1"/>
+            <a:r>
+              <a:rPr lang="en-US" dirty="0" smtClean="0"/>
+              <a:t>to </a:t>
+            </a:r>
+            <a:r>
+              <a:rPr lang="en-US" dirty="0"/>
+              <a:t>connect your LAN </a:t>
+            </a:r>
+            <a:r>
+              <a:rPr lang="en-US" dirty="0" smtClean="0"/>
+              <a:t>to </a:t>
+            </a:r>
+            <a:r>
+              <a:rPr lang="en-US" dirty="0"/>
+              <a:t>the Internet</a:t>
+            </a:r>
+            <a:r>
+              <a:rPr lang="en-US" dirty="0" smtClean="0"/>
+              <a:t>.</a:t>
+            </a:r>
+          </a:p>
+          <a:p>
+            <a:pPr lvl="2"/>
+            <a:r>
+              <a:rPr lang="en-CA" dirty="0" smtClean="0"/>
+              <a:t>Both home </a:t>
+            </a:r>
+            <a:r>
+              <a:rPr lang="en-CA" smtClean="0"/>
+              <a:t>and business </a:t>
+            </a:r>
+            <a:endParaRPr lang="en-US" dirty="0" smtClean="0"/>
+          </a:p>
+          <a:p>
+            <a:pPr marL="0" indent="0">
+              <a:buNone/>
+            </a:pPr>
+            <a:endParaRPr lang="en-US" dirty="0"/>
+          </a:p>
+          <a:p>
+            <a:r>
+              <a:rPr lang="en-US" dirty="0"/>
+              <a:t>Two most popular ISPs in Ontario are Bell and Rogers, but there are other choices.</a:t>
+            </a:r>
+          </a:p>
+          <a:p>
+            <a:endParaRPr lang="en-US" dirty="0"/>
+          </a:p>
+        </p:txBody>
+      </p:sp>
+      <p:pic>
+        <p:nvPicPr>
+          <p:cNvPr id="4" name="Picture 3"/>
+          <p:cNvPicPr>
+            <a:picLocks noChangeAspect="1"/>
+          </p:cNvPicPr>
+          <p:nvPr/>
+        </p:nvPicPr>
+        <p:blipFill>
+          <a:blip r:embed="rId2"/>
+          <a:stretch>
+            <a:fillRect/>
+          </a:stretch>
+        </p:blipFill>
+        <p:spPr>
+          <a:xfrm>
+            <a:off x="737832" y="5099950"/>
+            <a:ext cx="1473105" cy="517577"/>
+          </a:xfrm>
+          <a:prstGeom prst="rect">
+            <a:avLst/>
+          </a:prstGeom>
+        </p:spPr>
+      </p:pic>
+      <p:pic>
+        <p:nvPicPr>
+          <p:cNvPr id="5" name="Picture 4"/>
+          <p:cNvPicPr>
+            <a:picLocks noChangeAspect="1"/>
+          </p:cNvPicPr>
+          <p:nvPr/>
+        </p:nvPicPr>
+        <p:blipFill>
+          <a:blip r:embed="rId3"/>
+          <a:stretch>
+            <a:fillRect/>
+          </a:stretch>
+        </p:blipFill>
+        <p:spPr>
+          <a:xfrm>
+            <a:off x="2320119" y="5358738"/>
+            <a:ext cx="2114550" cy="1104900"/>
+          </a:xfrm>
+          <a:prstGeom prst="rect">
+            <a:avLst/>
+          </a:prstGeom>
+        </p:spPr>
+      </p:pic>
+      <p:pic>
+        <p:nvPicPr>
+          <p:cNvPr id="6" name="Picture 5"/>
+          <p:cNvPicPr>
+            <a:picLocks noChangeAspect="1"/>
+          </p:cNvPicPr>
+          <p:nvPr/>
+        </p:nvPicPr>
+        <p:blipFill>
+          <a:blip r:embed="rId4"/>
+          <a:stretch>
+            <a:fillRect/>
+          </a:stretch>
+        </p:blipFill>
+        <p:spPr>
+          <a:xfrm>
+            <a:off x="4434669" y="5099950"/>
+            <a:ext cx="1691469" cy="562207"/>
+          </a:xfrm>
+          <a:prstGeom prst="rect">
+            <a:avLst/>
+          </a:prstGeom>
+        </p:spPr>
+      </p:pic>
+      <p:pic>
+        <p:nvPicPr>
+          <p:cNvPr id="7" name="Picture 6"/>
+          <p:cNvPicPr>
+            <a:picLocks noChangeAspect="1"/>
+          </p:cNvPicPr>
+          <p:nvPr/>
+        </p:nvPicPr>
+        <p:blipFill>
+          <a:blip r:embed="rId5"/>
+          <a:stretch>
+            <a:fillRect/>
+          </a:stretch>
+        </p:blipFill>
+        <p:spPr>
+          <a:xfrm>
+            <a:off x="6266028" y="5801437"/>
+            <a:ext cx="2109431" cy="662201"/>
+          </a:xfrm>
+          <a:prstGeom prst="rect">
+            <a:avLst/>
+          </a:prstGeom>
+        </p:spPr>
+      </p:pic>
+    </p:spTree>
+    <p:extLst>
+      <p:ext uri="{BB962C8B-B14F-4D97-AF65-F5344CB8AC3E}">
+        <p14:creationId xmlns:p14="http://schemas.microsoft.com/office/powerpoint/2010/main" val="681087080"/>
+      </p:ext>
+    </p:extLst>
+  </p:cSld>
+  <p:clrMapOvr>
+    <a:masterClrMapping/>
+  </p:clrMapOvr>
+</p:sld>
+</file>
+
+<file path=ppt/slides/slide26.xml><?xml version="1.0" encoding="utf-8"?>
+<p:sld xmlns:a="http://schemas.openxmlformats.org/drawingml/2006/main" xmlns:r="http://schemas.openxmlformats.org/officeDocument/2006/relationships" xmlns:p="http://schemas.openxmlformats.org/presentationml/2006/main">
+  <p:cSld>
+    <p:spTree>
+      <p:nvGrpSpPr>
+        <p:cNvPr id="1" name=""/>
+        <p:cNvGrpSpPr/>
+        <p:nvPr/>
+      </p:nvGrpSpPr>
+      <p:grpSpPr>
+        <a:xfrm>
+          <a:off x="0" y="0"/>
+          <a:ext cx="0" cy="0"/>
+          <a:chOff x="0" y="0"/>
+          <a:chExt cx="0" cy="0"/>
+        </a:xfrm>
+      </p:grpSpPr>
+      <p:sp>
+        <p:nvSpPr>
+          <p:cNvPr id="2" name="Title 1"/>
+          <p:cNvSpPr>
+            <a:spLocks noGrp="1"/>
+          </p:cNvSpPr>
+          <p:nvPr>
+            <p:ph type="title"/>
+          </p:nvPr>
+        </p:nvSpPr>
+        <p:spPr/>
+        <p:txBody>
+          <a:bodyPr/>
+          <a:lstStyle/>
+          <a:p>
+            <a:r>
+              <a:rPr lang="en-CA" dirty="0" smtClean="0"/>
+              <a:t>Blank Slide</a:t>
+            </a:r>
+            <a:endParaRPr lang="en-US" dirty="0"/>
+          </a:p>
+        </p:txBody>
+      </p:sp>
+      <p:sp>
+        <p:nvSpPr>
+          <p:cNvPr id="3" name="Content Placeholder 2"/>
+          <p:cNvSpPr>
+            <a:spLocks noGrp="1"/>
+          </p:cNvSpPr>
+          <p:nvPr>
+            <p:ph idx="1"/>
+          </p:nvPr>
+        </p:nvSpPr>
+        <p:spPr/>
+        <p:txBody>
+          <a:bodyPr/>
+          <a:lstStyle/>
+          <a:p>
+            <a:endParaRPr lang="en-US"/>
+          </a:p>
+        </p:txBody>
+      </p:sp>
+    </p:spTree>
+    <p:extLst>
+      <p:ext uri="{BB962C8B-B14F-4D97-AF65-F5344CB8AC3E}">
+        <p14:creationId xmlns:p14="http://schemas.microsoft.com/office/powerpoint/2010/main" val="2568918366"/>
+      </p:ext>
+    </p:extLst>
+  </p:cSld>
+  <p:clrMapOvr>
+    <a:masterClrMapping/>
+  </p:clrMapOvr>
+</p:sld>
+</file>
+
+<file path=ppt/slides/slide27.xml><?xml version="1.0" encoding="utf-8"?>
+<p:sld xmlns:a="http://schemas.openxmlformats.org/drawingml/2006/main" xmlns:r="http://schemas.openxmlformats.org/officeDocument/2006/relationships" xmlns:p="http://schemas.openxmlformats.org/presentationml/2006/main">
+  <p:cSld>
+    <p:spTree>
+      <p:nvGrpSpPr>
+        <p:cNvPr id="1" name=""/>
+        <p:cNvGrpSpPr/>
+        <p:nvPr/>
+      </p:nvGrpSpPr>
+      <p:grpSpPr>
+        <a:xfrm>
+          <a:off x="0" y="0"/>
+          <a:ext cx="0" cy="0"/>
+          <a:chOff x="0" y="0"/>
+          <a:chExt cx="0" cy="0"/>
+        </a:xfrm>
+      </p:grpSpPr>
+      <p:sp>
+        <p:nvSpPr>
+          <p:cNvPr id="4" name="Title 3"/>
+          <p:cNvSpPr>
+            <a:spLocks noGrp="1"/>
+          </p:cNvSpPr>
+          <p:nvPr>
+            <p:ph type="ctrTitle"/>
+          </p:nvPr>
+        </p:nvSpPr>
+        <p:spPr/>
+        <p:txBody>
+          <a:bodyPr>
+            <a:normAutofit/>
+          </a:bodyPr>
+          <a:lstStyle/>
+          <a:p>
+            <a:r>
+              <a:rPr lang="en-CA" dirty="0" smtClean="0"/>
+              <a:t>Extra Stuff</a:t>
+            </a:r>
+            <a:endParaRPr lang="en-US" dirty="0"/>
+          </a:p>
+        </p:txBody>
+      </p:sp>
+      <p:sp>
+        <p:nvSpPr>
+          <p:cNvPr id="5" name="Subtitle 4"/>
+          <p:cNvSpPr>
+            <a:spLocks noGrp="1"/>
+          </p:cNvSpPr>
+          <p:nvPr>
+            <p:ph type="subTitle" idx="1"/>
+          </p:nvPr>
+        </p:nvSpPr>
+        <p:spPr/>
+        <p:txBody>
+          <a:bodyPr>
+            <a:normAutofit/>
+          </a:bodyPr>
+          <a:lstStyle/>
+          <a:p>
+            <a:r>
+              <a:rPr lang="en-CA" sz="4000" dirty="0" smtClean="0"/>
+              <a:t>A.8 Day </a:t>
+            </a:r>
+            <a:r>
+              <a:rPr lang="en-CA" sz="4000" dirty="0"/>
+              <a:t>X</a:t>
+            </a:r>
+            <a:endParaRPr lang="en-US" sz="4000" dirty="0"/>
+          </a:p>
+        </p:txBody>
+      </p:sp>
+    </p:spTree>
+    <p:extLst>
+      <p:ext uri="{BB962C8B-B14F-4D97-AF65-F5344CB8AC3E}">
+        <p14:creationId xmlns:p14="http://schemas.microsoft.com/office/powerpoint/2010/main" val="83168310"/>
+      </p:ext>
+    </p:extLst>
+  </p:cSld>
+  <p:clrMapOvr>
+    <a:masterClrMapping/>
+  </p:clrMapOvr>
+</p:sld>
+</file>
+
+<file path=ppt/slides/slide28.xml><?xml version="1.0" encoding="utf-8"?>
+<p:sld xmlns:a="http://schemas.openxmlformats.org/drawingml/2006/main" xmlns:r="http://schemas.openxmlformats.org/officeDocument/2006/relationships" xmlns:p="http://schemas.openxmlformats.org/presentationml/2006/main">
+  <p:cSld>
+    <p:spTree>
+      <p:nvGrpSpPr>
+        <p:cNvPr id="1" name=""/>
+        <p:cNvGrpSpPr/>
+        <p:nvPr/>
+      </p:nvGrpSpPr>
+      <p:grpSpPr>
+        <a:xfrm>
+          <a:off x="0" y="0"/>
+          <a:ext cx="0" cy="0"/>
+          <a:chOff x="0" y="0"/>
+          <a:chExt cx="0" cy="0"/>
+        </a:xfrm>
+      </p:grpSpPr>
+      <p:sp>
+        <p:nvSpPr>
+          <p:cNvPr id="2" name="Title 1"/>
+          <p:cNvSpPr>
+            <a:spLocks noGrp="1"/>
+          </p:cNvSpPr>
+          <p:nvPr>
+            <p:ph type="title"/>
+          </p:nvPr>
+        </p:nvSpPr>
+        <p:spPr/>
+        <p:txBody>
+          <a:bodyPr/>
+          <a:lstStyle/>
+          <a:p>
+            <a:r>
               <a:rPr lang="en-CA" dirty="0"/>
               <a:t>A.3) Common Internet </a:t>
             </a:r>
@@ -6121,7 +6642,7 @@
 </p:sld>
 </file>
 
-<file path=ppt/slides/slide26.xml><?xml version="1.0" encoding="utf-8"?>
+<file path=ppt/slides/slide29.xml><?xml version="1.0" encoding="utf-8"?>
 <p:sld xmlns:a="http://schemas.openxmlformats.org/drawingml/2006/main" xmlns:r="http://schemas.openxmlformats.org/officeDocument/2006/relationships" xmlns:p="http://schemas.openxmlformats.org/presentationml/2006/main">
   <p:cSld>
     <p:spTree>
@@ -6260,7 +6781,7 @@
 </p:sld>
 </file>
 
-<file path=ppt/slides/slide27.xml><?xml version="1.0" encoding="utf-8"?>
+<file path=ppt/slides/slide3.xml><?xml version="1.0" encoding="utf-8"?>
 <p:sld xmlns:a="http://schemas.openxmlformats.org/drawingml/2006/main" xmlns:r="http://schemas.openxmlformats.org/officeDocument/2006/relationships" xmlns:p="http://schemas.openxmlformats.org/presentationml/2006/main">
   <p:cSld>
     <p:spTree>
@@ -6279,6 +6800,100 @@
       </p:grpSpPr>
       <p:sp>
         <p:nvSpPr>
+          <p:cNvPr id="4" name="Title 3"/>
+          <p:cNvSpPr>
+            <a:spLocks noGrp="1"/>
+          </p:cNvSpPr>
+          <p:nvPr>
+            <p:ph type="ctrTitle"/>
+          </p:nvPr>
+        </p:nvSpPr>
+        <p:spPr/>
+        <p:txBody>
+          <a:bodyPr>
+            <a:normAutofit fontScale="90000"/>
+          </a:bodyPr>
+          <a:lstStyle/>
+          <a:p>
+            <a:r>
+              <a:rPr lang="en-CA" dirty="0" smtClean="0"/>
+              <a:t>Domain Names </a:t>
+            </a:r>
+            <a:br>
+              <a:rPr lang="en-CA" dirty="0" smtClean="0"/>
+            </a:br>
+            <a:r>
+              <a:rPr lang="en-CA" dirty="0" smtClean="0"/>
+              <a:t>&amp;</a:t>
+            </a:r>
+            <a:br>
+              <a:rPr lang="en-CA" dirty="0" smtClean="0"/>
+            </a:br>
+            <a:r>
+              <a:rPr lang="en-CA" dirty="0" smtClean="0"/>
+              <a:t>IP Addresses</a:t>
+            </a:r>
+            <a:endParaRPr lang="en-US" dirty="0"/>
+          </a:p>
+        </p:txBody>
+      </p:sp>
+      <p:sp>
+        <p:nvSpPr>
+          <p:cNvPr id="5" name="Subtitle 4"/>
+          <p:cNvSpPr>
+            <a:spLocks noGrp="1"/>
+          </p:cNvSpPr>
+          <p:nvPr>
+            <p:ph type="subTitle" idx="1"/>
+          </p:nvPr>
+        </p:nvSpPr>
+        <p:spPr/>
+        <p:txBody>
+          <a:bodyPr>
+            <a:normAutofit/>
+          </a:bodyPr>
+          <a:lstStyle/>
+          <a:p>
+            <a:r>
+              <a:rPr lang="en-CA" sz="4000" dirty="0" smtClean="0"/>
+              <a:t>A.8 Day 1</a:t>
+            </a:r>
+            <a:endParaRPr lang="en-US" sz="4000" dirty="0"/>
+          </a:p>
+        </p:txBody>
+      </p:sp>
+    </p:spTree>
+    <p:extLst>
+      <p:ext uri="{BB962C8B-B14F-4D97-AF65-F5344CB8AC3E}">
+        <p14:creationId xmlns:p14="http://schemas.microsoft.com/office/powerpoint/2010/main" val="3328652735"/>
+      </p:ext>
+    </p:extLst>
+  </p:cSld>
+  <p:clrMapOvr>
+    <a:masterClrMapping/>
+  </p:clrMapOvr>
+</p:sld>
+</file>
+
+<file path=ppt/slides/slide30.xml><?xml version="1.0" encoding="utf-8"?>
+<p:sld xmlns:a="http://schemas.openxmlformats.org/drawingml/2006/main" xmlns:r="http://schemas.openxmlformats.org/officeDocument/2006/relationships" xmlns:p="http://schemas.openxmlformats.org/presentationml/2006/main">
+  <p:cSld>
+    <p:spTree>
+      <p:nvGrpSpPr>
+        <p:cNvPr id="1" name=""/>
+        <p:cNvGrpSpPr/>
+        <p:nvPr/>
+      </p:nvGrpSpPr>
+      <p:grpSpPr>
+        <a:xfrm>
+          <a:off x="0" y="0"/>
+          <a:ext cx="0" cy="0"/>
+          <a:chOff x="0" y="0"/>
+          <a:chExt cx="0" cy="0"/>
+        </a:xfrm>
+      </p:grpSpPr>
+      <p:sp>
+        <p:nvSpPr>
           <p:cNvPr id="2" name="Title 1"/>
           <p:cNvSpPr>
             <a:spLocks noGrp="1"/>
@@ -6358,7 +6973,7 @@
 </p:sld>
 </file>
 
-<file path=ppt/slides/slide28.xml><?xml version="1.0" encoding="utf-8"?>
+<file path=ppt/slides/slide31.xml><?xml version="1.0" encoding="utf-8"?>
 <p:sld xmlns:a="http://schemas.openxmlformats.org/drawingml/2006/main" xmlns:r="http://schemas.openxmlformats.org/officeDocument/2006/relationships" xmlns:p="http://schemas.openxmlformats.org/presentationml/2006/main">
   <p:cSld>
     <p:spTree>
@@ -6450,7 +7065,7 @@
 </p:sld>
 </file>
 
-<file path=ppt/slides/slide29.xml><?xml version="1.0" encoding="utf-8"?>
+<file path=ppt/slides/slide32.xml><?xml version="1.0" encoding="utf-8"?>
 <p:sld xmlns:a="http://schemas.openxmlformats.org/drawingml/2006/main" xmlns:r="http://schemas.openxmlformats.org/officeDocument/2006/relationships" xmlns:p="http://schemas.openxmlformats.org/presentationml/2006/main">
   <p:cSld>
     <p:spTree>
@@ -6629,100 +7244,6 @@
     <p:extLst>
       <p:ext uri="{BB962C8B-B14F-4D97-AF65-F5344CB8AC3E}">
         <p14:creationId xmlns:p14="http://schemas.microsoft.com/office/powerpoint/2010/main" val="2926352279"/>
-      </p:ext>
-    </p:extLst>
-  </p:cSld>
-  <p:clrMapOvr>
-    <a:masterClrMapping/>
-  </p:clrMapOvr>
-</p:sld>
-</file>
-
-<file path=ppt/slides/slide3.xml><?xml version="1.0" encoding="utf-8"?>
-<p:sld xmlns:a="http://schemas.openxmlformats.org/drawingml/2006/main" xmlns:r="http://schemas.openxmlformats.org/officeDocument/2006/relationships" xmlns:p="http://schemas.openxmlformats.org/presentationml/2006/main">
-  <p:cSld>
-    <p:spTree>
-      <p:nvGrpSpPr>
-        <p:cNvPr id="1" name=""/>
-        <p:cNvGrpSpPr/>
-        <p:nvPr/>
-      </p:nvGrpSpPr>
-      <p:grpSpPr>
-        <a:xfrm>
-          <a:off x="0" y="0"/>
-          <a:ext cx="0" cy="0"/>
-          <a:chOff x="0" y="0"/>
-          <a:chExt cx="0" cy="0"/>
-        </a:xfrm>
-      </p:grpSpPr>
-      <p:sp>
-        <p:nvSpPr>
-          <p:cNvPr id="4" name="Title 3"/>
-          <p:cNvSpPr>
-            <a:spLocks noGrp="1"/>
-          </p:cNvSpPr>
-          <p:nvPr>
-            <p:ph type="ctrTitle"/>
-          </p:nvPr>
-        </p:nvSpPr>
-        <p:spPr/>
-        <p:txBody>
-          <a:bodyPr>
-            <a:normAutofit fontScale="90000"/>
-          </a:bodyPr>
-          <a:lstStyle/>
-          <a:p>
-            <a:r>
-              <a:rPr lang="en-CA" dirty="0" smtClean="0"/>
-              <a:t>Domain Names </a:t>
-            </a:r>
-            <a:br>
-              <a:rPr lang="en-CA" dirty="0" smtClean="0"/>
-            </a:br>
-            <a:r>
-              <a:rPr lang="en-CA" dirty="0" smtClean="0"/>
-              <a:t>&amp;</a:t>
-            </a:r>
-            <a:br>
-              <a:rPr lang="en-CA" dirty="0" smtClean="0"/>
-            </a:br>
-            <a:r>
-              <a:rPr lang="en-CA" dirty="0" smtClean="0"/>
-              <a:t>IP Addresses</a:t>
-            </a:r>
-            <a:endParaRPr lang="en-US" dirty="0"/>
-          </a:p>
-        </p:txBody>
-      </p:sp>
-      <p:sp>
-        <p:nvSpPr>
-          <p:cNvPr id="5" name="Subtitle 4"/>
-          <p:cNvSpPr>
-            <a:spLocks noGrp="1"/>
-          </p:cNvSpPr>
-          <p:nvPr>
-            <p:ph type="subTitle" idx="1"/>
-          </p:nvPr>
-        </p:nvSpPr>
-        <p:spPr/>
-        <p:txBody>
-          <a:bodyPr>
-            <a:normAutofit/>
-          </a:bodyPr>
-          <a:lstStyle/>
-          <a:p>
-            <a:r>
-              <a:rPr lang="en-CA" sz="4000" dirty="0" smtClean="0"/>
-              <a:t>A.8 Day 1</a:t>
-            </a:r>
-            <a:endParaRPr lang="en-US" sz="4000" dirty="0"/>
-          </a:p>
-        </p:txBody>
-      </p:sp>
-    </p:spTree>
-    <p:extLst>
-      <p:ext uri="{BB962C8B-B14F-4D97-AF65-F5344CB8AC3E}">
-        <p14:creationId xmlns:p14="http://schemas.microsoft.com/office/powerpoint/2010/main" val="3328652735"/>
       </p:ext>
     </p:extLst>
   </p:cSld>
